--- a/Documentos/Apresentação/Defesa Trabalho de Conclusão de Curso.pptx
+++ b/Documentos/Apresentação/Defesa Trabalho de Conclusão de Curso.pptx
@@ -5,25 +5,32 @@
     <p:sldMasterId id="2147483714" r:id="rId1"/>
   </p:sldMasterIdLst>
   <p:notesMasterIdLst>
-    <p:notesMasterId r:id="rId18"/>
+    <p:notesMasterId r:id="rId25"/>
   </p:notesMasterIdLst>
   <p:sldIdLst>
     <p:sldId id="256" r:id="rId2"/>
     <p:sldId id="257" r:id="rId3"/>
     <p:sldId id="260" r:id="rId4"/>
-    <p:sldId id="267" r:id="rId5"/>
-    <p:sldId id="266" r:id="rId6"/>
-    <p:sldId id="265" r:id="rId7"/>
-    <p:sldId id="264" r:id="rId8"/>
-    <p:sldId id="263" r:id="rId9"/>
-    <p:sldId id="262" r:id="rId10"/>
-    <p:sldId id="261" r:id="rId11"/>
-    <p:sldId id="274" r:id="rId12"/>
-    <p:sldId id="273" r:id="rId13"/>
-    <p:sldId id="275" r:id="rId14"/>
-    <p:sldId id="272" r:id="rId15"/>
-    <p:sldId id="271" r:id="rId16"/>
-    <p:sldId id="276" r:id="rId17"/>
+    <p:sldId id="266" r:id="rId5"/>
+    <p:sldId id="265" r:id="rId6"/>
+    <p:sldId id="264" r:id="rId7"/>
+    <p:sldId id="263" r:id="rId8"/>
+    <p:sldId id="262" r:id="rId9"/>
+    <p:sldId id="261" r:id="rId10"/>
+    <p:sldId id="274" r:id="rId11"/>
+    <p:sldId id="273" r:id="rId12"/>
+    <p:sldId id="277" r:id="rId13"/>
+    <p:sldId id="282" r:id="rId14"/>
+    <p:sldId id="281" r:id="rId15"/>
+    <p:sldId id="279" r:id="rId16"/>
+    <p:sldId id="283" r:id="rId17"/>
+    <p:sldId id="284" r:id="rId18"/>
+    <p:sldId id="285" r:id="rId19"/>
+    <p:sldId id="275" r:id="rId20"/>
+    <p:sldId id="272" r:id="rId21"/>
+    <p:sldId id="271" r:id="rId22"/>
+    <p:sldId id="280" r:id="rId23"/>
+    <p:sldId id="276" r:id="rId24"/>
   </p:sldIdLst>
   <p:sldSz cx="12192000" cy="6858000"/>
   <p:notesSz cx="6858000" cy="9144000"/>
@@ -122,6 +129,11 @@
       </a:defRPr>
     </a:lvl9pPr>
   </p:defaultTextStyle>
+  <p:extLst>
+    <p:ext uri="{EFAFB233-063F-42B5-8137-9DF3F51BA10A}">
+      <p15:sldGuideLst xmlns:p15="http://schemas.microsoft.com/office/powerpoint/2012/main"/>
+    </p:ext>
+  </p:extLst>
 </p:presentation>
 </file>
 
@@ -207,7 +219,7 @@
           <a:p>
             <a:fld id="{ABDA8B90-0D5E-4FAD-8C3B-97DE831FC232}" type="datetimeFigureOut">
               <a:rPr lang="pt-BR" smtClean="0"/>
-              <a:t>16/12/2017</a:t>
+              <a:t>19/12/2017</a:t>
             </a:fld>
             <a:endParaRPr lang="pt-BR"/>
           </a:p>
@@ -540,7 +552,7 @@
           <a:p>
             <a:fld id="{4FBAB5AB-5312-492C-B886-C36283DB133F}" type="slidenum">
               <a:rPr lang="pt-BR" smtClean="0"/>
-              <a:t>13</a:t>
+              <a:t>19</a:t>
             </a:fld>
             <a:endParaRPr lang="pt-BR"/>
           </a:p>
@@ -785,7 +797,7 @@
           <a:p>
             <a:fld id="{B8E5F321-5715-479C-8AED-FBB000F509F4}" type="datetime1">
               <a:rPr lang="pt-BR" smtClean="0"/>
-              <a:t>16/12/2017</a:t>
+              <a:t>19/12/2017</a:t>
             </a:fld>
             <a:endParaRPr lang="pt-BR"/>
           </a:p>
@@ -993,7 +1005,7 @@
           <a:p>
             <a:fld id="{0FB63535-2266-4625-8ECE-51274414C03E}" type="datetime1">
               <a:rPr lang="pt-BR" smtClean="0"/>
-              <a:t>16/12/2017</a:t>
+              <a:t>19/12/2017</a:t>
             </a:fld>
             <a:endParaRPr lang="pt-BR"/>
           </a:p>
@@ -1249,7 +1261,7 @@
           <a:p>
             <a:fld id="{EF9CE868-C0A5-462E-BF82-130B507FD32D}" type="datetime1">
               <a:rPr lang="pt-BR" smtClean="0"/>
-              <a:t>16/12/2017</a:t>
+              <a:t>19/12/2017</a:t>
             </a:fld>
             <a:endParaRPr lang="pt-BR"/>
           </a:p>
@@ -1423,7 +1435,7 @@
           <a:p>
             <a:fld id="{57156FCA-9285-4980-931B-789789664747}" type="datetime1">
               <a:rPr lang="pt-BR" smtClean="0"/>
-              <a:t>16/12/2017</a:t>
+              <a:t>19/12/2017</a:t>
             </a:fld>
             <a:endParaRPr lang="pt-BR"/>
           </a:p>
@@ -1766,7 +1778,7 @@
           <a:p>
             <a:fld id="{9B626A07-EDC3-4585-B467-CB9A4792C0D3}" type="datetime1">
               <a:rPr lang="pt-BR" smtClean="0"/>
-              <a:t>16/12/2017</a:t>
+              <a:t>19/12/2017</a:t>
             </a:fld>
             <a:endParaRPr lang="pt-BR"/>
           </a:p>
@@ -2041,7 +2053,7 @@
           <a:p>
             <a:fld id="{EA108A23-1C2E-4638-9B62-702084521B8D}" type="datetime1">
               <a:rPr lang="pt-BR" smtClean="0"/>
-              <a:t>16/12/2017</a:t>
+              <a:t>19/12/2017</a:t>
             </a:fld>
             <a:endParaRPr lang="pt-BR"/>
           </a:p>
@@ -2420,7 +2432,7 @@
           <a:p>
             <a:fld id="{C8AF28F5-6EE3-4BD8-81DC-E04E39056966}" type="datetime1">
               <a:rPr lang="pt-BR" smtClean="0"/>
-              <a:t>16/12/2017</a:t>
+              <a:t>19/12/2017</a:t>
             </a:fld>
             <a:endParaRPr lang="pt-BR"/>
           </a:p>
@@ -2538,7 +2550,7 @@
           <a:p>
             <a:fld id="{C3294D4D-A8C8-4AF7-95C7-9F49D3EA0DD6}" type="datetime1">
               <a:rPr lang="pt-BR" smtClean="0"/>
-              <a:t>16/12/2017</a:t>
+              <a:t>19/12/2017</a:t>
             </a:fld>
             <a:endParaRPr lang="pt-BR"/>
           </a:p>
@@ -2709,7 +2721,7 @@
           <a:p>
             <a:fld id="{46CCCFDB-2E5C-486D-B396-AC410F8E4EAC}" type="datetime1">
               <a:rPr lang="pt-BR" smtClean="0"/>
-              <a:t>16/12/2017</a:t>
+              <a:t>19/12/2017</a:t>
             </a:fld>
             <a:endParaRPr lang="pt-BR"/>
           </a:p>
@@ -3063,7 +3075,7 @@
           <a:p>
             <a:fld id="{31AD9EE3-9852-482A-A2DD-1FBB23372CE1}" type="datetime1">
               <a:rPr lang="pt-BR" smtClean="0"/>
-              <a:t>16/12/2017</a:t>
+              <a:t>19/12/2017</a:t>
             </a:fld>
             <a:endParaRPr lang="pt-BR"/>
           </a:p>
@@ -3445,7 +3457,7 @@
           <a:p>
             <a:fld id="{903A5643-6E52-4F15-9BB5-FEB254C800ED}" type="datetime1">
               <a:rPr lang="pt-BR" smtClean="0"/>
-              <a:t>16/12/2017</a:t>
+              <a:t>19/12/2017</a:t>
             </a:fld>
             <a:endParaRPr lang="pt-BR"/>
           </a:p>
@@ -3732,7 +3744,7 @@
           <a:p>
             <a:fld id="{32288E17-15A8-4FB0-8020-A6E860EB10E2}" type="datetime1">
               <a:rPr lang="pt-BR" smtClean="0"/>
-              <a:t>16/12/2017</a:t>
+              <a:t>19/12/2017</a:t>
             </a:fld>
             <a:endParaRPr lang="pt-BR"/>
           </a:p>
@@ -4492,73 +4504,12 @@
             <a:pPr algn="ctr"/>
             <a:r>
               <a:rPr lang="pt-BR" b="1" dirty="0" smtClean="0"/>
-              <a:t>SISTEMAS DISPONÍVEIS</a:t>
-            </a:r>
-          </a:p>
-          <a:p>
-            <a:r>
-              <a:rPr lang="pt-BR" b="1" dirty="0" smtClean="0"/>
-              <a:t>MENU DIGITAL</a:t>
-            </a:r>
-          </a:p>
-          <a:p>
-            <a:pPr>
-              <a:buFont typeface="Wingdings" panose="05000000000000000000" pitchFamily="2" charset="2"/>
-              <a:buChar char="§"/>
-            </a:pPr>
-            <a:r>
-              <a:rPr lang="pt-BR" dirty="0" smtClean="0"/>
-              <a:t>Eleito melhor cardápio digital do Brasil</a:t>
-            </a:r>
-          </a:p>
-          <a:p>
-            <a:pPr>
-              <a:buFont typeface="Wingdings" panose="05000000000000000000" pitchFamily="2" charset="2"/>
-              <a:buChar char="§"/>
-            </a:pPr>
-            <a:r>
-              <a:rPr lang="pt-BR" dirty="0" smtClean="0"/>
-              <a:t>Sem instalação</a:t>
-            </a:r>
-          </a:p>
-          <a:p>
-            <a:pPr>
-              <a:buFont typeface="Wingdings" panose="05000000000000000000" pitchFamily="2" charset="2"/>
-              <a:buChar char="§"/>
-            </a:pPr>
-            <a:r>
-              <a:rPr lang="pt-BR" dirty="0" smtClean="0"/>
-              <a:t>Acesso QR-</a:t>
-            </a:r>
-            <a:r>
-              <a:rPr lang="pt-BR" dirty="0" err="1" smtClean="0"/>
-              <a:t>Code</a:t>
-            </a:r>
-            <a:r>
-              <a:rPr lang="pt-BR" dirty="0" smtClean="0"/>
-              <a:t> e site</a:t>
-            </a:r>
-          </a:p>
-          <a:p>
-            <a:pPr>
-              <a:buFont typeface="Wingdings" panose="05000000000000000000" pitchFamily="2" charset="2"/>
-              <a:buChar char="§"/>
-            </a:pPr>
-            <a:r>
-              <a:rPr lang="pt-BR" dirty="0" smtClean="0"/>
-              <a:t>Harmonização entre produtos</a:t>
-            </a:r>
-          </a:p>
-          <a:p>
-            <a:pPr>
-              <a:buFont typeface="Wingdings" panose="05000000000000000000" pitchFamily="2" charset="2"/>
-              <a:buChar char="§"/>
-            </a:pPr>
-            <a:r>
-              <a:rPr lang="pt-BR" dirty="0" smtClean="0"/>
-              <a:t>Tudo online</a:t>
-            </a:r>
-            <a:endParaRPr lang="pt-BR" dirty="0"/>
+              <a:t>COMPARATIVO ENTRE SISTEMAS</a:t>
+            </a:r>
+          </a:p>
+          <a:p>
+            <a:pPr algn="ctr"/>
+            <a:endParaRPr lang="pt-BR" b="1" dirty="0"/>
           </a:p>
         </p:txBody>
       </p:sp>
@@ -4645,10 +4596,40 @@
           </a:prstGeom>
         </p:spPr>
       </p:pic>
+      <p:pic>
+        <p:nvPicPr>
+          <p:cNvPr id="5" name="Imagem 4"/>
+          <p:cNvPicPr>
+            <a:picLocks noChangeAspect="1"/>
+          </p:cNvPicPr>
+          <p:nvPr/>
+        </p:nvPicPr>
+        <p:blipFill>
+          <a:blip r:embed="rId4">
+            <a:extLst>
+              <a:ext uri="{28A0092B-C50C-407E-A947-70E740481C1C}">
+                <a14:useLocalDpi xmlns:a14="http://schemas.microsoft.com/office/drawing/2010/main" val="0"/>
+              </a:ext>
+            </a:extLst>
+          </a:blip>
+          <a:stretch>
+            <a:fillRect/>
+          </a:stretch>
+        </p:blipFill>
+        <p:spPr>
+          <a:xfrm>
+            <a:off x="2097475" y="2222374"/>
+            <a:ext cx="8058010" cy="3138986"/>
+          </a:xfrm>
+          <a:prstGeom prst="rect">
+            <a:avLst/>
+          </a:prstGeom>
+        </p:spPr>
+      </p:pic>
     </p:spTree>
     <p:extLst>
       <p:ext uri="{BB962C8B-B14F-4D97-AF65-F5344CB8AC3E}">
-        <p14:creationId xmlns:p14="http://schemas.microsoft.com/office/powerpoint/2010/main" val="1598228879"/>
+        <p14:creationId xmlns:p14="http://schemas.microsoft.com/office/powerpoint/2010/main" val="2721779954"/>
       </p:ext>
     </p:extLst>
   </p:cSld>
@@ -4704,7 +4685,7 @@
           <a:p>
             <a:pPr algn="r"/>
             <a:r>
-              <a:rPr lang="pt-BR" u="sng" dirty="0">
+              <a:rPr lang="pt-BR" u="sng" dirty="0" smtClean="0">
                 <a:solidFill>
                   <a:schemeClr val="accent1"/>
                 </a:solidFill>
@@ -4712,45 +4693,18 @@
               <a:t>MASTERMENU</a:t>
             </a:r>
             <a:r>
-              <a:rPr lang="pt-BR" dirty="0">
+              <a:rPr lang="pt-BR" dirty="0" smtClean="0">
                 <a:solidFill>
                   <a:schemeClr val="tx2"/>
                 </a:solidFill>
               </a:rPr>
-              <a:t>/Mercado</a:t>
+              <a:t>/Tecnologias</a:t>
             </a:r>
             <a:endParaRPr lang="pt-BR" u="sng" dirty="0">
               <a:solidFill>
                 <a:schemeClr val="accent1"/>
               </a:solidFill>
             </a:endParaRPr>
-          </a:p>
-        </p:txBody>
-      </p:sp>
-      <p:sp>
-        <p:nvSpPr>
-          <p:cNvPr id="4" name="Espaço Reservado para Conteúdo 3"/>
-          <p:cNvSpPr>
-            <a:spLocks noGrp="1"/>
-          </p:cNvSpPr>
-          <p:nvPr>
-            <p:ph idx="1"/>
-          </p:nvPr>
-        </p:nvSpPr>
-        <p:spPr/>
-        <p:txBody>
-          <a:bodyPr/>
-          <a:lstStyle/>
-          <a:p>
-            <a:pPr algn="ctr"/>
-            <a:r>
-              <a:rPr lang="pt-BR" b="1" dirty="0" smtClean="0"/>
-              <a:t>COMPARATIVO ENTRE SISTEMAS</a:t>
-            </a:r>
-          </a:p>
-          <a:p>
-            <a:pPr algn="ctr"/>
-            <a:endParaRPr lang="pt-BR" b="1" dirty="0"/>
           </a:p>
         </p:txBody>
       </p:sp>
@@ -4839,11 +4793,13 @@
       </p:pic>
       <p:pic>
         <p:nvPicPr>
-          <p:cNvPr id="5" name="Imagem 4"/>
+          <p:cNvPr id="10" name="Espaço Reservado para Conteúdo 9"/>
           <p:cNvPicPr>
-            <a:picLocks noChangeAspect="1"/>
+            <a:picLocks noGrp="1" noChangeAspect="1"/>
           </p:cNvPicPr>
-          <p:nvPr/>
+          <p:nvPr>
+            <p:ph idx="1"/>
+          </p:nvPr>
         </p:nvPicPr>
         <p:blipFill>
           <a:blip r:embed="rId4">
@@ -4859,8 +4815,335 @@
         </p:blipFill>
         <p:spPr>
           <a:xfrm>
-            <a:off x="2097475" y="2222374"/>
-            <a:ext cx="8058010" cy="3138986"/>
+            <a:off x="1101165" y="1752961"/>
+            <a:ext cx="10111317" cy="2829504"/>
+          </a:xfrm>
+        </p:spPr>
+      </p:pic>
+      <p:pic>
+        <p:nvPicPr>
+          <p:cNvPr id="11" name="Imagem 10"/>
+          <p:cNvPicPr>
+            <a:picLocks noChangeAspect="1"/>
+          </p:cNvPicPr>
+          <p:nvPr/>
+        </p:nvPicPr>
+        <p:blipFill>
+          <a:blip r:embed="rId5">
+            <a:extLst>
+              <a:ext uri="{28A0092B-C50C-407E-A947-70E740481C1C}">
+                <a14:useLocalDpi xmlns:a14="http://schemas.microsoft.com/office/drawing/2010/main" val="0"/>
+              </a:ext>
+            </a:extLst>
+          </a:blip>
+          <a:stretch>
+            <a:fillRect/>
+          </a:stretch>
+        </p:blipFill>
+        <p:spPr>
+          <a:xfrm>
+            <a:off x="643491" y="2260137"/>
+            <a:ext cx="907576" cy="907576"/>
+          </a:xfrm>
+          <a:prstGeom prst="rect">
+            <a:avLst/>
+          </a:prstGeom>
+        </p:spPr>
+      </p:pic>
+      <p:pic>
+        <p:nvPicPr>
+          <p:cNvPr id="12" name="Imagem 11"/>
+          <p:cNvPicPr>
+            <a:picLocks noChangeAspect="1"/>
+          </p:cNvPicPr>
+          <p:nvPr/>
+        </p:nvPicPr>
+        <p:blipFill>
+          <a:blip r:embed="rId6" cstate="print">
+            <a:extLst>
+              <a:ext uri="{28A0092B-C50C-407E-A947-70E740481C1C}">
+                <a14:useLocalDpi xmlns:a14="http://schemas.microsoft.com/office/drawing/2010/main" val="0"/>
+              </a:ext>
+            </a:extLst>
+          </a:blip>
+          <a:stretch>
+            <a:fillRect/>
+          </a:stretch>
+        </p:blipFill>
+        <p:spPr>
+          <a:xfrm>
+            <a:off x="469480" y="3178025"/>
+            <a:ext cx="627799" cy="618699"/>
+          </a:xfrm>
+          <a:prstGeom prst="rect">
+            <a:avLst/>
+          </a:prstGeom>
+        </p:spPr>
+      </p:pic>
+      <p:pic>
+        <p:nvPicPr>
+          <p:cNvPr id="13" name="Imagem 12"/>
+          <p:cNvPicPr>
+            <a:picLocks noChangeAspect="1"/>
+          </p:cNvPicPr>
+          <p:nvPr/>
+        </p:nvPicPr>
+        <p:blipFill>
+          <a:blip r:embed="rId7" cstate="print">
+            <a:extLst>
+              <a:ext uri="{28A0092B-C50C-407E-A947-70E740481C1C}">
+                <a14:useLocalDpi xmlns:a14="http://schemas.microsoft.com/office/drawing/2010/main" val="0"/>
+              </a:ext>
+            </a:extLst>
+          </a:blip>
+          <a:stretch>
+            <a:fillRect/>
+          </a:stretch>
+        </p:blipFill>
+        <p:spPr>
+          <a:xfrm>
+            <a:off x="545746" y="4010962"/>
+            <a:ext cx="475265" cy="667038"/>
+          </a:xfrm>
+          <a:prstGeom prst="rect">
+            <a:avLst/>
+          </a:prstGeom>
+        </p:spPr>
+      </p:pic>
+      <p:pic>
+        <p:nvPicPr>
+          <p:cNvPr id="14" name="Imagem 13"/>
+          <p:cNvPicPr>
+            <a:picLocks noChangeAspect="1"/>
+          </p:cNvPicPr>
+          <p:nvPr/>
+        </p:nvPicPr>
+        <p:blipFill>
+          <a:blip r:embed="rId8" cstate="print">
+            <a:extLst>
+              <a:ext uri="{28A0092B-C50C-407E-A947-70E740481C1C}">
+                <a14:useLocalDpi xmlns:a14="http://schemas.microsoft.com/office/drawing/2010/main" val="0"/>
+              </a:ext>
+            </a:extLst>
+          </a:blip>
+          <a:stretch>
+            <a:fillRect/>
+          </a:stretch>
+        </p:blipFill>
+        <p:spPr>
+          <a:xfrm>
+            <a:off x="1929481" y="4335900"/>
+            <a:ext cx="913603" cy="913603"/>
+          </a:xfrm>
+          <a:prstGeom prst="rect">
+            <a:avLst/>
+          </a:prstGeom>
+        </p:spPr>
+      </p:pic>
+      <p:pic>
+        <p:nvPicPr>
+          <p:cNvPr id="15" name="Imagem 14"/>
+          <p:cNvPicPr>
+            <a:picLocks noChangeAspect="1"/>
+          </p:cNvPicPr>
+          <p:nvPr/>
+        </p:nvPicPr>
+        <p:blipFill>
+          <a:blip r:embed="rId9" cstate="print">
+            <a:extLst>
+              <a:ext uri="{28A0092B-C50C-407E-A947-70E740481C1C}">
+                <a14:useLocalDpi xmlns:a14="http://schemas.microsoft.com/office/drawing/2010/main" val="0"/>
+              </a:ext>
+            </a:extLst>
+          </a:blip>
+          <a:stretch>
+            <a:fillRect/>
+          </a:stretch>
+        </p:blipFill>
+        <p:spPr>
+          <a:xfrm>
+            <a:off x="1155214" y="4300355"/>
+            <a:ext cx="740176" cy="740176"/>
+          </a:xfrm>
+          <a:prstGeom prst="rect">
+            <a:avLst/>
+          </a:prstGeom>
+        </p:spPr>
+      </p:pic>
+      <p:pic>
+        <p:nvPicPr>
+          <p:cNvPr id="16" name="Imagem 15"/>
+          <p:cNvPicPr>
+            <a:picLocks noChangeAspect="1"/>
+          </p:cNvPicPr>
+          <p:nvPr/>
+        </p:nvPicPr>
+        <p:blipFill>
+          <a:blip r:embed="rId10" cstate="print">
+            <a:extLst>
+              <a:ext uri="{28A0092B-C50C-407E-A947-70E740481C1C}">
+                <a14:useLocalDpi xmlns:a14="http://schemas.microsoft.com/office/drawing/2010/main" val="0"/>
+              </a:ext>
+            </a:extLst>
+          </a:blip>
+          <a:stretch>
+            <a:fillRect/>
+          </a:stretch>
+        </p:blipFill>
+        <p:spPr>
+          <a:xfrm>
+            <a:off x="5448924" y="4430628"/>
+            <a:ext cx="676426" cy="415368"/>
+          </a:xfrm>
+          <a:prstGeom prst="rect">
+            <a:avLst/>
+          </a:prstGeom>
+        </p:spPr>
+      </p:pic>
+      <p:pic>
+        <p:nvPicPr>
+          <p:cNvPr id="17" name="Imagem 16"/>
+          <p:cNvPicPr>
+            <a:picLocks noChangeAspect="1"/>
+          </p:cNvPicPr>
+          <p:nvPr/>
+        </p:nvPicPr>
+        <p:blipFill>
+          <a:blip r:embed="rId11" cstate="print">
+            <a:extLst>
+              <a:ext uri="{28A0092B-C50C-407E-A947-70E740481C1C}">
+                <a14:useLocalDpi xmlns:a14="http://schemas.microsoft.com/office/drawing/2010/main" val="0"/>
+              </a:ext>
+            </a:extLst>
+          </a:blip>
+          <a:stretch>
+            <a:fillRect/>
+          </a:stretch>
+        </p:blipFill>
+        <p:spPr>
+          <a:xfrm>
+            <a:off x="6274470" y="4520990"/>
+            <a:ext cx="665389" cy="710303"/>
+          </a:xfrm>
+          <a:prstGeom prst="rect">
+            <a:avLst/>
+          </a:prstGeom>
+        </p:spPr>
+      </p:pic>
+      <p:pic>
+        <p:nvPicPr>
+          <p:cNvPr id="18" name="Imagem 17"/>
+          <p:cNvPicPr>
+            <a:picLocks noChangeAspect="1"/>
+          </p:cNvPicPr>
+          <p:nvPr/>
+        </p:nvPicPr>
+        <p:blipFill>
+          <a:blip r:embed="rId12" cstate="print">
+            <a:extLst>
+              <a:ext uri="{28A0092B-C50C-407E-A947-70E740481C1C}">
+                <a14:useLocalDpi xmlns:a14="http://schemas.microsoft.com/office/drawing/2010/main" val="0"/>
+              </a:ext>
+            </a:extLst>
+          </a:blip>
+          <a:stretch>
+            <a:fillRect/>
+          </a:stretch>
+        </p:blipFill>
+        <p:spPr>
+          <a:xfrm>
+            <a:off x="7155230" y="4396349"/>
+            <a:ext cx="548187" cy="548187"/>
+          </a:xfrm>
+          <a:prstGeom prst="rect">
+            <a:avLst/>
+          </a:prstGeom>
+        </p:spPr>
+      </p:pic>
+      <p:pic>
+        <p:nvPicPr>
+          <p:cNvPr id="19" name="Imagem 18"/>
+          <p:cNvPicPr>
+            <a:picLocks noChangeAspect="1"/>
+          </p:cNvPicPr>
+          <p:nvPr/>
+        </p:nvPicPr>
+        <p:blipFill>
+          <a:blip r:embed="rId13" cstate="print">
+            <a:extLst>
+              <a:ext uri="{28A0092B-C50C-407E-A947-70E740481C1C}">
+                <a14:useLocalDpi xmlns:a14="http://schemas.microsoft.com/office/drawing/2010/main" val="0"/>
+              </a:ext>
+            </a:extLst>
+          </a:blip>
+          <a:stretch>
+            <a:fillRect/>
+          </a:stretch>
+        </p:blipFill>
+        <p:spPr>
+          <a:xfrm>
+            <a:off x="5499410" y="4937436"/>
+            <a:ext cx="1027601" cy="1027601"/>
+          </a:xfrm>
+          <a:prstGeom prst="rect">
+            <a:avLst/>
+          </a:prstGeom>
+        </p:spPr>
+      </p:pic>
+      <p:pic>
+        <p:nvPicPr>
+          <p:cNvPr id="20" name="Imagem 19"/>
+          <p:cNvPicPr>
+            <a:picLocks noChangeAspect="1"/>
+          </p:cNvPicPr>
+          <p:nvPr/>
+        </p:nvPicPr>
+        <p:blipFill>
+          <a:blip r:embed="rId14" cstate="print">
+            <a:extLst>
+              <a:ext uri="{28A0092B-C50C-407E-A947-70E740481C1C}">
+                <a14:useLocalDpi xmlns:a14="http://schemas.microsoft.com/office/drawing/2010/main" val="0"/>
+              </a:ext>
+            </a:extLst>
+          </a:blip>
+          <a:stretch>
+            <a:fillRect/>
+          </a:stretch>
+        </p:blipFill>
+        <p:spPr>
+          <a:xfrm>
+            <a:off x="6593698" y="5172593"/>
+            <a:ext cx="1214596" cy="557285"/>
+          </a:xfrm>
+          <a:prstGeom prst="rect">
+            <a:avLst/>
+          </a:prstGeom>
+        </p:spPr>
+      </p:pic>
+      <p:pic>
+        <p:nvPicPr>
+          <p:cNvPr id="21" name="Imagem 20"/>
+          <p:cNvPicPr>
+            <a:picLocks noChangeAspect="1"/>
+          </p:cNvPicPr>
+          <p:nvPr/>
+        </p:nvPicPr>
+        <p:blipFill>
+          <a:blip r:embed="rId15" cstate="print">
+            <a:extLst>
+              <a:ext uri="{28A0092B-C50C-407E-A947-70E740481C1C}">
+                <a14:useLocalDpi xmlns:a14="http://schemas.microsoft.com/office/drawing/2010/main" val="0"/>
+              </a:ext>
+            </a:extLst>
+          </a:blip>
+          <a:stretch>
+            <a:fillRect/>
+          </a:stretch>
+        </p:blipFill>
+        <p:spPr>
+          <a:xfrm>
+            <a:off x="11212482" y="5480066"/>
+            <a:ext cx="735546" cy="735546"/>
           </a:xfrm>
           <a:prstGeom prst="rect">
             <a:avLst/>
@@ -4870,7 +5153,7 @@
     </p:spTree>
     <p:extLst>
       <p:ext uri="{BB962C8B-B14F-4D97-AF65-F5344CB8AC3E}">
-        <p14:creationId xmlns:p14="http://schemas.microsoft.com/office/powerpoint/2010/main" val="2721779954"/>
+        <p14:creationId xmlns:p14="http://schemas.microsoft.com/office/powerpoint/2010/main" val="1866863152"/>
       </p:ext>
     </p:extLst>
   </p:cSld>
@@ -5032,15 +5315,46 @@
           </a:prstGeom>
         </p:spPr>
       </p:pic>
+      <p:sp>
+        <p:nvSpPr>
+          <p:cNvPr id="4" name="Espaço Reservado para Conteúdo 3"/>
+          <p:cNvSpPr>
+            <a:spLocks noGrp="1"/>
+          </p:cNvSpPr>
+          <p:nvPr>
+            <p:ph idx="1"/>
+          </p:nvPr>
+        </p:nvSpPr>
+        <p:spPr>
+          <a:xfrm>
+            <a:off x="1097280" y="1704109"/>
+            <a:ext cx="10058400" cy="4164985"/>
+          </a:xfrm>
+        </p:spPr>
+        <p:txBody>
+          <a:bodyPr/>
+          <a:lstStyle/>
+          <a:p>
+            <a:pPr algn="ctr"/>
+            <a:r>
+              <a:rPr lang="pt-BR" b="1" dirty="0" smtClean="0"/>
+              <a:t>FRONT-END</a:t>
+            </a:r>
+            <a:endParaRPr lang="pt-BR" b="1" dirty="0"/>
+          </a:p>
+          <a:p>
+            <a:pPr algn="ctr"/>
+            <a:endParaRPr lang="pt-BR" b="1" dirty="0"/>
+          </a:p>
+        </p:txBody>
+      </p:sp>
       <p:pic>
         <p:nvPicPr>
-          <p:cNvPr id="10" name="Espaço Reservado para Conteúdo 9"/>
+          <p:cNvPr id="6" name="Imagem 5"/>
           <p:cNvPicPr>
-            <a:picLocks noGrp="1" noChangeAspect="1"/>
+            <a:picLocks noChangeAspect="1"/>
           </p:cNvPicPr>
-          <p:nvPr>
-            <p:ph idx="1"/>
-          </p:nvPr>
+          <p:nvPr/>
         </p:nvPicPr>
         <p:blipFill>
           <a:blip r:embed="rId4">
@@ -5056,21 +5370,24 @@
         </p:blipFill>
         <p:spPr>
           <a:xfrm>
-            <a:off x="1101165" y="1752961"/>
-            <a:ext cx="10111317" cy="2829504"/>
-          </a:xfrm>
+            <a:off x="6484324" y="2253056"/>
+            <a:ext cx="2924583" cy="3524742"/>
+          </a:xfrm>
+          <a:prstGeom prst="rect">
+            <a:avLst/>
+          </a:prstGeom>
         </p:spPr>
       </p:pic>
       <p:pic>
         <p:nvPicPr>
-          <p:cNvPr id="11" name="Imagem 10"/>
+          <p:cNvPr id="7" name="Imagem 6"/>
           <p:cNvPicPr>
             <a:picLocks noChangeAspect="1"/>
           </p:cNvPicPr>
           <p:nvPr/>
         </p:nvPicPr>
         <p:blipFill>
-          <a:blip r:embed="rId5">
+          <a:blip r:embed="rId5" cstate="print">
             <a:extLst>
               <a:ext uri="{28A0092B-C50C-407E-A947-70E740481C1C}">
                 <a14:useLocalDpi xmlns:a14="http://schemas.microsoft.com/office/drawing/2010/main" val="0"/>
@@ -5083,8 +5400,8 @@
         </p:blipFill>
         <p:spPr>
           <a:xfrm>
-            <a:off x="643491" y="2260137"/>
-            <a:ext cx="907576" cy="907576"/>
+            <a:off x="2826335" y="2762203"/>
+            <a:ext cx="1457834" cy="1457834"/>
           </a:xfrm>
           <a:prstGeom prst="rect">
             <a:avLst/>
@@ -5093,14 +5410,14 @@
       </p:pic>
       <p:pic>
         <p:nvPicPr>
-          <p:cNvPr id="12" name="Imagem 11"/>
+          <p:cNvPr id="22" name="Imagem 21"/>
           <p:cNvPicPr>
             <a:picLocks noChangeAspect="1"/>
           </p:cNvPicPr>
           <p:nvPr/>
         </p:nvPicPr>
         <p:blipFill>
-          <a:blip r:embed="rId6" cstate="print">
+          <a:blip r:embed="rId6">
             <a:extLst>
               <a:ext uri="{28A0092B-C50C-407E-A947-70E740481C1C}">
                 <a14:useLocalDpi xmlns:a14="http://schemas.microsoft.com/office/drawing/2010/main" val="0"/>
@@ -5113,278 +5430,8 @@
         </p:blipFill>
         <p:spPr>
           <a:xfrm>
-            <a:off x="469480" y="3178025"/>
-            <a:ext cx="627799" cy="618699"/>
-          </a:xfrm>
-          <a:prstGeom prst="rect">
-            <a:avLst/>
-          </a:prstGeom>
-        </p:spPr>
-      </p:pic>
-      <p:pic>
-        <p:nvPicPr>
-          <p:cNvPr id="13" name="Imagem 12"/>
-          <p:cNvPicPr>
-            <a:picLocks noChangeAspect="1"/>
-          </p:cNvPicPr>
-          <p:nvPr/>
-        </p:nvPicPr>
-        <p:blipFill>
-          <a:blip r:embed="rId7" cstate="print">
-            <a:extLst>
-              <a:ext uri="{28A0092B-C50C-407E-A947-70E740481C1C}">
-                <a14:useLocalDpi xmlns:a14="http://schemas.microsoft.com/office/drawing/2010/main" val="0"/>
-              </a:ext>
-            </a:extLst>
-          </a:blip>
-          <a:stretch>
-            <a:fillRect/>
-          </a:stretch>
-        </p:blipFill>
-        <p:spPr>
-          <a:xfrm>
-            <a:off x="545746" y="4010962"/>
-            <a:ext cx="475265" cy="667038"/>
-          </a:xfrm>
-          <a:prstGeom prst="rect">
-            <a:avLst/>
-          </a:prstGeom>
-        </p:spPr>
-      </p:pic>
-      <p:pic>
-        <p:nvPicPr>
-          <p:cNvPr id="14" name="Imagem 13"/>
-          <p:cNvPicPr>
-            <a:picLocks noChangeAspect="1"/>
-          </p:cNvPicPr>
-          <p:nvPr/>
-        </p:nvPicPr>
-        <p:blipFill>
-          <a:blip r:embed="rId8" cstate="print">
-            <a:extLst>
-              <a:ext uri="{28A0092B-C50C-407E-A947-70E740481C1C}">
-                <a14:useLocalDpi xmlns:a14="http://schemas.microsoft.com/office/drawing/2010/main" val="0"/>
-              </a:ext>
-            </a:extLst>
-          </a:blip>
-          <a:stretch>
-            <a:fillRect/>
-          </a:stretch>
-        </p:blipFill>
-        <p:spPr>
-          <a:xfrm>
-            <a:off x="1929481" y="4335900"/>
-            <a:ext cx="913603" cy="913603"/>
-          </a:xfrm>
-          <a:prstGeom prst="rect">
-            <a:avLst/>
-          </a:prstGeom>
-        </p:spPr>
-      </p:pic>
-      <p:pic>
-        <p:nvPicPr>
-          <p:cNvPr id="15" name="Imagem 14"/>
-          <p:cNvPicPr>
-            <a:picLocks noChangeAspect="1"/>
-          </p:cNvPicPr>
-          <p:nvPr/>
-        </p:nvPicPr>
-        <p:blipFill>
-          <a:blip r:embed="rId9" cstate="print">
-            <a:extLst>
-              <a:ext uri="{28A0092B-C50C-407E-A947-70E740481C1C}">
-                <a14:useLocalDpi xmlns:a14="http://schemas.microsoft.com/office/drawing/2010/main" val="0"/>
-              </a:ext>
-            </a:extLst>
-          </a:blip>
-          <a:stretch>
-            <a:fillRect/>
-          </a:stretch>
-        </p:blipFill>
-        <p:spPr>
-          <a:xfrm>
-            <a:off x="1155214" y="4300355"/>
-            <a:ext cx="740176" cy="740176"/>
-          </a:xfrm>
-          <a:prstGeom prst="rect">
-            <a:avLst/>
-          </a:prstGeom>
-        </p:spPr>
-      </p:pic>
-      <p:pic>
-        <p:nvPicPr>
-          <p:cNvPr id="16" name="Imagem 15"/>
-          <p:cNvPicPr>
-            <a:picLocks noChangeAspect="1"/>
-          </p:cNvPicPr>
-          <p:nvPr/>
-        </p:nvPicPr>
-        <p:blipFill>
-          <a:blip r:embed="rId10" cstate="print">
-            <a:extLst>
-              <a:ext uri="{28A0092B-C50C-407E-A947-70E740481C1C}">
-                <a14:useLocalDpi xmlns:a14="http://schemas.microsoft.com/office/drawing/2010/main" val="0"/>
-              </a:ext>
-            </a:extLst>
-          </a:blip>
-          <a:stretch>
-            <a:fillRect/>
-          </a:stretch>
-        </p:blipFill>
-        <p:spPr>
-          <a:xfrm>
-            <a:off x="5448924" y="4430628"/>
-            <a:ext cx="676426" cy="415368"/>
-          </a:xfrm>
-          <a:prstGeom prst="rect">
-            <a:avLst/>
-          </a:prstGeom>
-        </p:spPr>
-      </p:pic>
-      <p:pic>
-        <p:nvPicPr>
-          <p:cNvPr id="17" name="Imagem 16"/>
-          <p:cNvPicPr>
-            <a:picLocks noChangeAspect="1"/>
-          </p:cNvPicPr>
-          <p:nvPr/>
-        </p:nvPicPr>
-        <p:blipFill>
-          <a:blip r:embed="rId11" cstate="print">
-            <a:extLst>
-              <a:ext uri="{28A0092B-C50C-407E-A947-70E740481C1C}">
-                <a14:useLocalDpi xmlns:a14="http://schemas.microsoft.com/office/drawing/2010/main" val="0"/>
-              </a:ext>
-            </a:extLst>
-          </a:blip>
-          <a:stretch>
-            <a:fillRect/>
-          </a:stretch>
-        </p:blipFill>
-        <p:spPr>
-          <a:xfrm>
-            <a:off x="6274470" y="4520990"/>
-            <a:ext cx="665389" cy="710303"/>
-          </a:xfrm>
-          <a:prstGeom prst="rect">
-            <a:avLst/>
-          </a:prstGeom>
-        </p:spPr>
-      </p:pic>
-      <p:pic>
-        <p:nvPicPr>
-          <p:cNvPr id="18" name="Imagem 17"/>
-          <p:cNvPicPr>
-            <a:picLocks noChangeAspect="1"/>
-          </p:cNvPicPr>
-          <p:nvPr/>
-        </p:nvPicPr>
-        <p:blipFill>
-          <a:blip r:embed="rId12" cstate="print">
-            <a:extLst>
-              <a:ext uri="{28A0092B-C50C-407E-A947-70E740481C1C}">
-                <a14:useLocalDpi xmlns:a14="http://schemas.microsoft.com/office/drawing/2010/main" val="0"/>
-              </a:ext>
-            </a:extLst>
-          </a:blip>
-          <a:stretch>
-            <a:fillRect/>
-          </a:stretch>
-        </p:blipFill>
-        <p:spPr>
-          <a:xfrm>
-            <a:off x="7155230" y="4396349"/>
-            <a:ext cx="548187" cy="548187"/>
-          </a:xfrm>
-          <a:prstGeom prst="rect">
-            <a:avLst/>
-          </a:prstGeom>
-        </p:spPr>
-      </p:pic>
-      <p:pic>
-        <p:nvPicPr>
-          <p:cNvPr id="19" name="Imagem 18"/>
-          <p:cNvPicPr>
-            <a:picLocks noChangeAspect="1"/>
-          </p:cNvPicPr>
-          <p:nvPr/>
-        </p:nvPicPr>
-        <p:blipFill>
-          <a:blip r:embed="rId13" cstate="print">
-            <a:extLst>
-              <a:ext uri="{28A0092B-C50C-407E-A947-70E740481C1C}">
-                <a14:useLocalDpi xmlns:a14="http://schemas.microsoft.com/office/drawing/2010/main" val="0"/>
-              </a:ext>
-            </a:extLst>
-          </a:blip>
-          <a:stretch>
-            <a:fillRect/>
-          </a:stretch>
-        </p:blipFill>
-        <p:spPr>
-          <a:xfrm>
-            <a:off x="5499410" y="4937436"/>
-            <a:ext cx="1027601" cy="1027601"/>
-          </a:xfrm>
-          <a:prstGeom prst="rect">
-            <a:avLst/>
-          </a:prstGeom>
-        </p:spPr>
-      </p:pic>
-      <p:pic>
-        <p:nvPicPr>
-          <p:cNvPr id="20" name="Imagem 19"/>
-          <p:cNvPicPr>
-            <a:picLocks noChangeAspect="1"/>
-          </p:cNvPicPr>
-          <p:nvPr/>
-        </p:nvPicPr>
-        <p:blipFill>
-          <a:blip r:embed="rId14" cstate="print">
-            <a:extLst>
-              <a:ext uri="{28A0092B-C50C-407E-A947-70E740481C1C}">
-                <a14:useLocalDpi xmlns:a14="http://schemas.microsoft.com/office/drawing/2010/main" val="0"/>
-              </a:ext>
-            </a:extLst>
-          </a:blip>
-          <a:stretch>
-            <a:fillRect/>
-          </a:stretch>
-        </p:blipFill>
-        <p:spPr>
-          <a:xfrm>
-            <a:off x="6593698" y="5172593"/>
-            <a:ext cx="1214596" cy="557285"/>
-          </a:xfrm>
-          <a:prstGeom prst="rect">
-            <a:avLst/>
-          </a:prstGeom>
-        </p:spPr>
-      </p:pic>
-      <p:pic>
-        <p:nvPicPr>
-          <p:cNvPr id="21" name="Imagem 20"/>
-          <p:cNvPicPr>
-            <a:picLocks noChangeAspect="1"/>
-          </p:cNvPicPr>
-          <p:nvPr/>
-        </p:nvPicPr>
-        <p:blipFill>
-          <a:blip r:embed="rId15" cstate="print">
-            <a:extLst>
-              <a:ext uri="{28A0092B-C50C-407E-A947-70E740481C1C}">
-                <a14:useLocalDpi xmlns:a14="http://schemas.microsoft.com/office/drawing/2010/main" val="0"/>
-              </a:ext>
-            </a:extLst>
-          </a:blip>
-          <a:stretch>
-            <a:fillRect/>
-          </a:stretch>
-        </p:blipFill>
-        <p:spPr>
-          <a:xfrm>
-            <a:off x="11212482" y="5480066"/>
-            <a:ext cx="735546" cy="735546"/>
+            <a:off x="3299255" y="3090150"/>
+            <a:ext cx="2440884" cy="2440884"/>
           </a:xfrm>
           <a:prstGeom prst="rect">
             <a:avLst/>
@@ -5394,7 +5441,7 @@
     </p:spTree>
     <p:extLst>
       <p:ext uri="{BB962C8B-B14F-4D97-AF65-F5344CB8AC3E}">
-        <p14:creationId xmlns:p14="http://schemas.microsoft.com/office/powerpoint/2010/main" val="1866863152"/>
+        <p14:creationId xmlns:p14="http://schemas.microsoft.com/office/powerpoint/2010/main" val="3535754438"/>
       </p:ext>
     </p:extLst>
   </p:cSld>
@@ -5440,8 +5487,8 @@
         </p:nvSpPr>
         <p:spPr>
           <a:xfrm>
-            <a:off x="1097279" y="1"/>
-            <a:ext cx="10115203" cy="818865"/>
+            <a:off x="1097279" y="286603"/>
+            <a:ext cx="10115203" cy="837347"/>
           </a:xfrm>
         </p:spPr>
         <p:txBody>
@@ -5463,11 +5510,11 @@
                   <a:schemeClr val="tx2"/>
                 </a:solidFill>
               </a:rPr>
-              <a:t>/MVP</a:t>
-            </a:r>
-            <a:endParaRPr lang="pt-BR" dirty="0">
+              <a:t>/Tecnologias</a:t>
+            </a:r>
+            <a:endParaRPr lang="pt-BR" u="sng" dirty="0">
               <a:solidFill>
-                <a:schemeClr val="tx2"/>
+                <a:schemeClr val="accent1"/>
               </a:solidFill>
             </a:endParaRPr>
           </a:p>
@@ -5499,6 +5546,36 @@
       <p:pic>
         <p:nvPicPr>
           <p:cNvPr id="8" name="Imagem 7"/>
+          <p:cNvPicPr>
+            <a:picLocks noChangeAspect="1"/>
+          </p:cNvPicPr>
+          <p:nvPr/>
+        </p:nvPicPr>
+        <p:blipFill>
+          <a:blip r:embed="rId2">
+            <a:extLst>
+              <a:ext uri="{28A0092B-C50C-407E-A947-70E740481C1C}">
+                <a14:useLocalDpi xmlns:a14="http://schemas.microsoft.com/office/drawing/2010/main" val="0"/>
+              </a:ext>
+            </a:extLst>
+          </a:blip>
+          <a:stretch>
+            <a:fillRect/>
+          </a:stretch>
+        </p:blipFill>
+        <p:spPr>
+          <a:xfrm>
+            <a:off x="0" y="0"/>
+            <a:ext cx="4067175" cy="1123950"/>
+          </a:xfrm>
+          <a:prstGeom prst="rect">
+            <a:avLst/>
+          </a:prstGeom>
+        </p:spPr>
+      </p:pic>
+      <p:pic>
+        <p:nvPicPr>
+          <p:cNvPr id="9" name="Imagem 8"/>
           <p:cNvPicPr>
             <a:picLocks noChangeAspect="1"/>
           </p:cNvPicPr>
@@ -5518,23 +5595,54 @@
         </p:blipFill>
         <p:spPr>
           <a:xfrm>
-            <a:off x="0" y="0"/>
-            <a:ext cx="4067175" cy="818866"/>
+            <a:off x="0" y="4678000"/>
+            <a:ext cx="3790780" cy="1649057"/>
           </a:xfrm>
           <a:prstGeom prst="rect">
             <a:avLst/>
           </a:prstGeom>
         </p:spPr>
       </p:pic>
+      <p:sp>
+        <p:nvSpPr>
+          <p:cNvPr id="4" name="Espaço Reservado para Conteúdo 3"/>
+          <p:cNvSpPr>
+            <a:spLocks noGrp="1"/>
+          </p:cNvSpPr>
+          <p:nvPr>
+            <p:ph idx="1"/>
+          </p:nvPr>
+        </p:nvSpPr>
+        <p:spPr>
+          <a:xfrm>
+            <a:off x="1097280" y="1704109"/>
+            <a:ext cx="10058400" cy="4164985"/>
+          </a:xfrm>
+        </p:spPr>
+        <p:txBody>
+          <a:bodyPr/>
+          <a:lstStyle/>
+          <a:p>
+            <a:pPr algn="ctr"/>
+            <a:r>
+              <a:rPr lang="pt-BR" b="1" dirty="0" smtClean="0"/>
+              <a:t>FRONT-END</a:t>
+            </a:r>
+            <a:endParaRPr lang="pt-BR" b="1" dirty="0"/>
+          </a:p>
+          <a:p>
+            <a:pPr algn="ctr"/>
+            <a:endParaRPr lang="pt-BR" b="1" dirty="0"/>
+          </a:p>
+        </p:txBody>
+      </p:sp>
       <p:pic>
         <p:nvPicPr>
-          <p:cNvPr id="5" name="Espaço Reservado para Conteúdo 4"/>
+          <p:cNvPr id="22" name="Imagem 21"/>
           <p:cNvPicPr>
-            <a:picLocks noGrp="1" noChangeAspect="1"/>
+            <a:picLocks noChangeAspect="1"/>
           </p:cNvPicPr>
-          <p:nvPr>
-            <p:ph idx="1"/>
-          </p:nvPr>
+          <p:nvPr/>
         </p:nvPicPr>
         <p:blipFill>
           <a:blip r:embed="rId4">
@@ -5550,15 +5658,206 @@
         </p:blipFill>
         <p:spPr>
           <a:xfrm>
-            <a:off x="1" y="818866"/>
-            <a:ext cx="12191999" cy="6039134"/>
-          </a:xfrm>
+            <a:off x="2213235" y="3309068"/>
+            <a:ext cx="1577545" cy="1577545"/>
+          </a:xfrm>
+          <a:prstGeom prst="rect">
+            <a:avLst/>
+          </a:prstGeom>
         </p:spPr>
       </p:pic>
+      <p:pic>
+        <p:nvPicPr>
+          <p:cNvPr id="5" name="Imagem 4"/>
+          <p:cNvPicPr>
+            <a:picLocks noChangeAspect="1"/>
+          </p:cNvPicPr>
+          <p:nvPr/>
+        </p:nvPicPr>
+        <p:blipFill>
+          <a:blip r:embed="rId5">
+            <a:extLst>
+              <a:ext uri="{28A0092B-C50C-407E-A947-70E740481C1C}">
+                <a14:useLocalDpi xmlns:a14="http://schemas.microsoft.com/office/drawing/2010/main" val="0"/>
+              </a:ext>
+            </a:extLst>
+          </a:blip>
+          <a:stretch>
+            <a:fillRect/>
+          </a:stretch>
+        </p:blipFill>
+        <p:spPr>
+          <a:xfrm>
+            <a:off x="274715" y="2057777"/>
+            <a:ext cx="5502630" cy="991286"/>
+          </a:xfrm>
+          <a:prstGeom prst="rect">
+            <a:avLst/>
+          </a:prstGeom>
+        </p:spPr>
+      </p:pic>
+      <p:pic>
+        <p:nvPicPr>
+          <p:cNvPr id="10" name="Imagem 9"/>
+          <p:cNvPicPr>
+            <a:picLocks noChangeAspect="1"/>
+          </p:cNvPicPr>
+          <p:nvPr/>
+        </p:nvPicPr>
+        <p:blipFill>
+          <a:blip r:embed="rId6">
+            <a:extLst>
+              <a:ext uri="{28A0092B-C50C-407E-A947-70E740481C1C}">
+                <a14:useLocalDpi xmlns:a14="http://schemas.microsoft.com/office/drawing/2010/main" val="0"/>
+              </a:ext>
+            </a:extLst>
+          </a:blip>
+          <a:stretch>
+            <a:fillRect/>
+          </a:stretch>
+        </p:blipFill>
+        <p:spPr>
+          <a:xfrm>
+            <a:off x="4765964" y="3110820"/>
+            <a:ext cx="7303897" cy="3163091"/>
+          </a:xfrm>
+          <a:prstGeom prst="rect">
+            <a:avLst/>
+          </a:prstGeom>
+        </p:spPr>
+      </p:pic>
+      <p:pic>
+        <p:nvPicPr>
+          <p:cNvPr id="11" name="Imagem 10"/>
+          <p:cNvPicPr>
+            <a:picLocks noChangeAspect="1"/>
+          </p:cNvPicPr>
+          <p:nvPr/>
+        </p:nvPicPr>
+        <p:blipFill>
+          <a:blip r:embed="rId7">
+            <a:extLst>
+              <a:ext uri="{28A0092B-C50C-407E-A947-70E740481C1C}">
+                <a14:useLocalDpi xmlns:a14="http://schemas.microsoft.com/office/drawing/2010/main" val="0"/>
+              </a:ext>
+            </a:extLst>
+          </a:blip>
+          <a:stretch>
+            <a:fillRect/>
+          </a:stretch>
+        </p:blipFill>
+        <p:spPr>
+          <a:xfrm>
+            <a:off x="6382642" y="2012085"/>
+            <a:ext cx="5687219" cy="743054"/>
+          </a:xfrm>
+          <a:prstGeom prst="rect">
+            <a:avLst/>
+          </a:prstGeom>
+        </p:spPr>
+      </p:pic>
+      <p:sp>
+        <p:nvSpPr>
+          <p:cNvPr id="12" name="CaixaDeTexto 11"/>
+          <p:cNvSpPr txBox="1"/>
+          <p:nvPr/>
+        </p:nvSpPr>
+        <p:spPr>
+          <a:xfrm>
+            <a:off x="6382642" y="2740280"/>
+            <a:ext cx="1369221" cy="369332"/>
+          </a:xfrm>
+          <a:prstGeom prst="rect">
+            <a:avLst/>
+          </a:prstGeom>
+          <a:noFill/>
+        </p:spPr>
+        <p:txBody>
+          <a:bodyPr wrap="none" rtlCol="0">
+            <a:spAutoFit/>
+          </a:bodyPr>
+          <a:lstStyle/>
+          <a:p>
+            <a:r>
+              <a:rPr lang="pt-BR" dirty="0"/>
+              <a:t>a</a:t>
+            </a:r>
+            <a:r>
+              <a:rPr lang="pt-BR" dirty="0" smtClean="0"/>
+              <a:t>pp.config.js</a:t>
+            </a:r>
+            <a:endParaRPr lang="pt-BR" dirty="0"/>
+          </a:p>
+        </p:txBody>
+      </p:sp>
+      <p:sp>
+        <p:nvSpPr>
+          <p:cNvPr id="13" name="CaixaDeTexto 12"/>
+          <p:cNvSpPr txBox="1"/>
+          <p:nvPr/>
+        </p:nvSpPr>
+        <p:spPr>
+          <a:xfrm>
+            <a:off x="215916" y="3046895"/>
+            <a:ext cx="1184170" cy="369332"/>
+          </a:xfrm>
+          <a:prstGeom prst="rect">
+            <a:avLst/>
+          </a:prstGeom>
+          <a:noFill/>
+        </p:spPr>
+        <p:txBody>
+          <a:bodyPr wrap="none" rtlCol="0">
+            <a:spAutoFit/>
+          </a:bodyPr>
+          <a:lstStyle/>
+          <a:p>
+            <a:r>
+              <a:rPr lang="pt-BR" dirty="0"/>
+              <a:t>i</a:t>
+            </a:r>
+            <a:r>
+              <a:rPr lang="pt-BR" dirty="0" smtClean="0"/>
+              <a:t>ndex.html</a:t>
+            </a:r>
+            <a:endParaRPr lang="pt-BR" dirty="0"/>
+          </a:p>
+        </p:txBody>
+      </p:sp>
+      <p:sp>
+        <p:nvSpPr>
+          <p:cNvPr id="14" name="CaixaDeTexto 13"/>
+          <p:cNvSpPr txBox="1"/>
+          <p:nvPr/>
+        </p:nvSpPr>
+        <p:spPr>
+          <a:xfrm>
+            <a:off x="5070356" y="5886836"/>
+            <a:ext cx="1413977" cy="369332"/>
+          </a:xfrm>
+          <a:prstGeom prst="rect">
+            <a:avLst/>
+          </a:prstGeom>
+          <a:noFill/>
+        </p:spPr>
+        <p:txBody>
+          <a:bodyPr wrap="none" rtlCol="0">
+            <a:spAutoFit/>
+          </a:bodyPr>
+          <a:lstStyle/>
+          <a:p>
+            <a:r>
+              <a:rPr lang="pt-BR" dirty="0" smtClean="0"/>
+              <a:t>Controllers.js</a:t>
+            </a:r>
+            <a:endParaRPr lang="pt-BR" dirty="0"/>
+          </a:p>
+        </p:txBody>
+      </p:sp>
     </p:spTree>
     <p:extLst>
       <p:ext uri="{BB962C8B-B14F-4D97-AF65-F5344CB8AC3E}">
-        <p14:creationId xmlns:p14="http://schemas.microsoft.com/office/powerpoint/2010/main" val="2806582623"/>
+        <p14:creationId xmlns:p14="http://schemas.microsoft.com/office/powerpoint/2010/main" val="3919093531"/>
       </p:ext>
     </p:extLst>
   </p:cSld>
@@ -5621,109 +5920,19 @@
               </a:rPr>
               <a:t>MASTERMENU</a:t>
             </a:r>
-            <a:endParaRPr lang="pt-BR" dirty="0">
+            <a:r>
+              <a:rPr lang="pt-BR" dirty="0" smtClean="0">
+                <a:solidFill>
+                  <a:schemeClr val="tx2"/>
+                </a:solidFill>
+              </a:rPr>
+              <a:t>/Tecnologias</a:t>
+            </a:r>
+            <a:endParaRPr lang="pt-BR" u="sng" dirty="0">
               <a:solidFill>
-                <a:schemeClr val="tx2"/>
+                <a:schemeClr val="accent1"/>
               </a:solidFill>
             </a:endParaRPr>
-          </a:p>
-        </p:txBody>
-      </p:sp>
-      <p:sp>
-        <p:nvSpPr>
-          <p:cNvPr id="4" name="Espaço Reservado para Conteúdo 3"/>
-          <p:cNvSpPr>
-            <a:spLocks noGrp="1"/>
-          </p:cNvSpPr>
-          <p:nvPr>
-            <p:ph idx="1"/>
-          </p:nvPr>
-        </p:nvSpPr>
-        <p:spPr/>
-        <p:txBody>
-          <a:bodyPr/>
-          <a:lstStyle/>
-          <a:p>
-            <a:pPr algn="ctr"/>
-            <a:r>
-              <a:rPr lang="pt-BR" b="1" dirty="0" smtClean="0"/>
-              <a:t>TRABALHOS FUTUROS</a:t>
-            </a:r>
-          </a:p>
-          <a:p>
-            <a:pPr>
-              <a:buFont typeface="Wingdings" panose="05000000000000000000" pitchFamily="2" charset="2"/>
-              <a:buChar char="§"/>
-            </a:pPr>
-            <a:r>
-              <a:rPr lang="pt-BR" dirty="0" smtClean="0"/>
-              <a:t>Autenticação para solicitações com </a:t>
-            </a:r>
-            <a:r>
-              <a:rPr lang="pt-BR" dirty="0" err="1" smtClean="0"/>
-              <a:t>token</a:t>
-            </a:r>
-            <a:r>
-              <a:rPr lang="pt-BR" dirty="0" smtClean="0"/>
-              <a:t> do estabelecimento</a:t>
-            </a:r>
-          </a:p>
-          <a:p>
-            <a:pPr>
-              <a:buFont typeface="Wingdings" panose="05000000000000000000" pitchFamily="2" charset="2"/>
-              <a:buChar char="§"/>
-            </a:pPr>
-            <a:r>
-              <a:rPr lang="pt-BR" dirty="0" smtClean="0"/>
-              <a:t>Geolocalização de estabelecimentos próximos</a:t>
-            </a:r>
-          </a:p>
-          <a:p>
-            <a:pPr>
-              <a:buFont typeface="Wingdings" panose="05000000000000000000" pitchFamily="2" charset="2"/>
-              <a:buChar char="§"/>
-            </a:pPr>
-            <a:r>
-              <a:rPr lang="pt-BR" dirty="0" smtClean="0"/>
-              <a:t>Pagamento via sistema</a:t>
-            </a:r>
-          </a:p>
-          <a:p>
-            <a:pPr>
-              <a:buFont typeface="Wingdings" panose="05000000000000000000" pitchFamily="2" charset="2"/>
-              <a:buChar char="§"/>
-            </a:pPr>
-            <a:r>
-              <a:rPr lang="pt-BR" dirty="0" smtClean="0"/>
-              <a:t>Acionar garçom</a:t>
-            </a:r>
-          </a:p>
-          <a:p>
-            <a:pPr>
-              <a:buFont typeface="Wingdings" panose="05000000000000000000" pitchFamily="2" charset="2"/>
-              <a:buChar char="§"/>
-            </a:pPr>
-            <a:r>
-              <a:rPr lang="pt-BR" dirty="0" smtClean="0"/>
-              <a:t>Avaliar atendimento</a:t>
-            </a:r>
-          </a:p>
-          <a:p>
-            <a:pPr>
-              <a:buFont typeface="Wingdings" panose="05000000000000000000" pitchFamily="2" charset="2"/>
-              <a:buChar char="§"/>
-            </a:pPr>
-            <a:r>
-              <a:rPr lang="pt-BR" dirty="0" smtClean="0"/>
-              <a:t>Harmonização entre produtos</a:t>
-            </a:r>
-          </a:p>
-          <a:p>
-            <a:pPr>
-              <a:buFont typeface="Wingdings" panose="05000000000000000000" pitchFamily="2" charset="2"/>
-              <a:buChar char="§"/>
-            </a:pPr>
-            <a:endParaRPr lang="pt-BR" b="1" dirty="0"/>
           </a:p>
         </p:txBody>
       </p:sp>
@@ -5810,10 +6019,133 @@
           </a:prstGeom>
         </p:spPr>
       </p:pic>
+      <p:sp>
+        <p:nvSpPr>
+          <p:cNvPr id="4" name="Espaço Reservado para Conteúdo 3"/>
+          <p:cNvSpPr>
+            <a:spLocks noGrp="1"/>
+          </p:cNvSpPr>
+          <p:nvPr>
+            <p:ph idx="1"/>
+          </p:nvPr>
+        </p:nvSpPr>
+        <p:spPr>
+          <a:xfrm>
+            <a:off x="1097280" y="1704109"/>
+            <a:ext cx="10058400" cy="4164985"/>
+          </a:xfrm>
+        </p:spPr>
+        <p:txBody>
+          <a:bodyPr/>
+          <a:lstStyle/>
+          <a:p>
+            <a:pPr algn="ctr"/>
+            <a:r>
+              <a:rPr lang="pt-BR" b="1" dirty="0" smtClean="0"/>
+              <a:t>FRONT-END</a:t>
+            </a:r>
+            <a:endParaRPr lang="pt-BR" b="1" dirty="0"/>
+          </a:p>
+          <a:p>
+            <a:pPr algn="ctr"/>
+            <a:endParaRPr lang="pt-BR" b="1" dirty="0"/>
+          </a:p>
+        </p:txBody>
+      </p:sp>
+      <p:pic>
+        <p:nvPicPr>
+          <p:cNvPr id="7" name="Imagem 6"/>
+          <p:cNvPicPr>
+            <a:picLocks noChangeAspect="1"/>
+          </p:cNvPicPr>
+          <p:nvPr/>
+        </p:nvPicPr>
+        <p:blipFill>
+          <a:blip r:embed="rId4" cstate="print">
+            <a:extLst>
+              <a:ext uri="{28A0092B-C50C-407E-A947-70E740481C1C}">
+                <a14:useLocalDpi xmlns:a14="http://schemas.microsoft.com/office/drawing/2010/main" val="0"/>
+              </a:ext>
+            </a:extLst>
+          </a:blip>
+          <a:stretch>
+            <a:fillRect/>
+          </a:stretch>
+        </p:blipFill>
+        <p:spPr>
+          <a:xfrm>
+            <a:off x="5191642" y="2594446"/>
+            <a:ext cx="2119745" cy="2119745"/>
+          </a:xfrm>
+          <a:prstGeom prst="rect">
+            <a:avLst/>
+          </a:prstGeom>
+        </p:spPr>
+      </p:pic>
+      <p:pic>
+        <p:nvPicPr>
+          <p:cNvPr id="10" name="Imagem 9"/>
+          <p:cNvPicPr>
+            <a:picLocks noChangeAspect="1"/>
+          </p:cNvPicPr>
+          <p:nvPr/>
+        </p:nvPicPr>
+        <p:blipFill>
+          <a:blip r:embed="rId5" cstate="print">
+            <a:extLst>
+              <a:ext uri="{28A0092B-C50C-407E-A947-70E740481C1C}">
+                <a14:useLocalDpi xmlns:a14="http://schemas.microsoft.com/office/drawing/2010/main" val="0"/>
+              </a:ext>
+            </a:extLst>
+          </a:blip>
+          <a:stretch>
+            <a:fillRect/>
+          </a:stretch>
+        </p:blipFill>
+        <p:spPr>
+          <a:xfrm>
+            <a:off x="2222137" y="2731995"/>
+            <a:ext cx="1844648" cy="1844648"/>
+          </a:xfrm>
+          <a:prstGeom prst="rect">
+            <a:avLst/>
+          </a:prstGeom>
+        </p:spPr>
+      </p:pic>
+      <p:pic>
+        <p:nvPicPr>
+          <p:cNvPr id="11" name="Imagem 10"/>
+          <p:cNvPicPr>
+            <a:picLocks noChangeAspect="1"/>
+          </p:cNvPicPr>
+          <p:nvPr/>
+        </p:nvPicPr>
+        <p:blipFill>
+          <a:blip r:embed="rId6" cstate="print">
+            <a:extLst>
+              <a:ext uri="{28A0092B-C50C-407E-A947-70E740481C1C}">
+                <a14:useLocalDpi xmlns:a14="http://schemas.microsoft.com/office/drawing/2010/main" val="0"/>
+              </a:ext>
+            </a:extLst>
+          </a:blip>
+          <a:stretch>
+            <a:fillRect/>
+          </a:stretch>
+        </p:blipFill>
+        <p:spPr>
+          <a:xfrm>
+            <a:off x="8839200" y="2731995"/>
+            <a:ext cx="1280679" cy="1797445"/>
+          </a:xfrm>
+          <a:prstGeom prst="rect">
+            <a:avLst/>
+          </a:prstGeom>
+        </p:spPr>
+      </p:pic>
     </p:spTree>
     <p:extLst>
       <p:ext uri="{BB962C8B-B14F-4D97-AF65-F5344CB8AC3E}">
-        <p14:creationId xmlns:p14="http://schemas.microsoft.com/office/powerpoint/2010/main" val="1531455708"/>
+        <p14:creationId xmlns:p14="http://schemas.microsoft.com/office/powerpoint/2010/main" val="1607332668"/>
       </p:ext>
     </p:extLst>
   </p:cSld>
@@ -5876,50 +6208,19 @@
               </a:rPr>
               <a:t>MASTERMENU</a:t>
             </a:r>
+            <a:r>
+              <a:rPr lang="pt-BR" dirty="0" smtClean="0">
+                <a:solidFill>
+                  <a:schemeClr val="tx2"/>
+                </a:solidFill>
+              </a:rPr>
+              <a:t>/Tecnologias</a:t>
+            </a:r>
             <a:endParaRPr lang="pt-BR" u="sng" dirty="0">
               <a:solidFill>
                 <a:schemeClr val="accent1"/>
               </a:solidFill>
             </a:endParaRPr>
-          </a:p>
-        </p:txBody>
-      </p:sp>
-      <p:sp>
-        <p:nvSpPr>
-          <p:cNvPr id="4" name="Espaço Reservado para Conteúdo 3"/>
-          <p:cNvSpPr>
-            <a:spLocks noGrp="1"/>
-          </p:cNvSpPr>
-          <p:nvPr>
-            <p:ph idx="1"/>
-          </p:nvPr>
-        </p:nvSpPr>
-        <p:spPr/>
-        <p:txBody>
-          <a:bodyPr/>
-          <a:lstStyle/>
-          <a:p>
-            <a:pPr algn="ctr"/>
-            <a:r>
-              <a:rPr lang="pt-BR" sz="2400" b="1" u="sng" dirty="0" smtClean="0"/>
-              <a:t>CONCLUSÃO</a:t>
-            </a:r>
-          </a:p>
-          <a:p>
-            <a:pPr algn="just"/>
-            <a:r>
-              <a:rPr lang="pt-BR" sz="2400" dirty="0"/>
-              <a:t>O conhecimento adquirido no decorrer do curso foi posto em prática neste trabalho. </a:t>
-            </a:r>
-            <a:r>
-              <a:rPr lang="pt-BR" sz="2400" dirty="0" smtClean="0"/>
-              <a:t>Apesar de encontrar dificuldades ao longo do trabalho, o objetivo de implementar um sistema de autoatendimento para consumidores de bares e restaurante, onde o cliente poderá personalizar, solicitar, acompanhar pedidos e reservar uma mesa, foi atingido.</a:t>
-            </a:r>
-            <a:r>
-              <a:rPr lang="pt-BR" dirty="0" smtClean="0"/>
-              <a:t> </a:t>
-            </a:r>
-            <a:endParaRPr lang="pt-BR" dirty="0"/>
           </a:p>
         </p:txBody>
       </p:sp>
@@ -5976,9 +6277,53 @@
           </a:prstGeom>
         </p:spPr>
       </p:pic>
+      <p:sp>
+        <p:nvSpPr>
+          <p:cNvPr id="6" name="CaixaDeTexto 5"/>
+          <p:cNvSpPr txBox="1"/>
+          <p:nvPr/>
+        </p:nvSpPr>
+        <p:spPr>
+          <a:xfrm>
+            <a:off x="5504221" y="1759527"/>
+            <a:ext cx="1445332" cy="400110"/>
+          </a:xfrm>
+          <a:prstGeom prst="rect">
+            <a:avLst/>
+          </a:prstGeom>
+          <a:noFill/>
+        </p:spPr>
+        <p:txBody>
+          <a:bodyPr wrap="none" rtlCol="0">
+            <a:spAutoFit/>
+          </a:bodyPr>
+          <a:lstStyle/>
+          <a:p>
+            <a:r>
+              <a:rPr lang="pt-BR" sz="2000" b="1" dirty="0" smtClean="0">
+                <a:solidFill>
+                  <a:schemeClr val="tx1">
+                    <a:lumMod val="75000"/>
+                    <a:lumOff val="25000"/>
+                  </a:schemeClr>
+                </a:solidFill>
+              </a:rPr>
+              <a:t>FRONT-END</a:t>
+            </a:r>
+            <a:endParaRPr lang="pt-BR" sz="2000" b="1" dirty="0">
+              <a:solidFill>
+                <a:schemeClr val="tx1">
+                  <a:lumMod val="75000"/>
+                  <a:lumOff val="25000"/>
+                </a:schemeClr>
+              </a:solidFill>
+            </a:endParaRPr>
+          </a:p>
+        </p:txBody>
+      </p:sp>
       <p:pic>
         <p:nvPicPr>
-          <p:cNvPr id="9" name="Imagem 8"/>
+          <p:cNvPr id="22" name="Imagem 21"/>
           <p:cNvPicPr>
             <a:picLocks noChangeAspect="1"/>
           </p:cNvPicPr>
@@ -5998,8 +6343,8 @@
         </p:blipFill>
         <p:spPr>
           <a:xfrm>
-            <a:off x="0" y="4678000"/>
-            <a:ext cx="3790780" cy="1649057"/>
+            <a:off x="1646009" y="2128859"/>
+            <a:ext cx="9354588" cy="4188814"/>
           </a:xfrm>
           <a:prstGeom prst="rect">
             <a:avLst/>
@@ -6009,7 +6354,7 @@
     </p:spTree>
     <p:extLst>
       <p:ext uri="{BB962C8B-B14F-4D97-AF65-F5344CB8AC3E}">
-        <p14:creationId xmlns:p14="http://schemas.microsoft.com/office/powerpoint/2010/main" val="943193265"/>
+        <p14:creationId xmlns:p14="http://schemas.microsoft.com/office/powerpoint/2010/main" val="181438944"/>
       </p:ext>
     </p:extLst>
   </p:cSld>
@@ -6064,47 +6409,27 @@
           <a:lstStyle/>
           <a:p>
             <a:pPr algn="r"/>
+            <a:r>
+              <a:rPr lang="pt-BR" u="sng" dirty="0" smtClean="0">
+                <a:solidFill>
+                  <a:schemeClr val="accent1"/>
+                </a:solidFill>
+              </a:rPr>
+              <a:t>MASTERMENU</a:t>
+            </a:r>
+            <a:r>
+              <a:rPr lang="pt-BR" dirty="0" smtClean="0">
+                <a:solidFill>
+                  <a:schemeClr val="tx2"/>
+                </a:solidFill>
+              </a:rPr>
+              <a:t>/Tecnologias</a:t>
+            </a:r>
             <a:endParaRPr lang="pt-BR" u="sng" dirty="0">
               <a:solidFill>
                 <a:schemeClr val="accent1"/>
               </a:solidFill>
             </a:endParaRPr>
-          </a:p>
-        </p:txBody>
-      </p:sp>
-      <p:sp>
-        <p:nvSpPr>
-          <p:cNvPr id="4" name="Espaço Reservado para Conteúdo 3"/>
-          <p:cNvSpPr>
-            <a:spLocks noGrp="1"/>
-          </p:cNvSpPr>
-          <p:nvPr>
-            <p:ph idx="1"/>
-          </p:nvPr>
-        </p:nvSpPr>
-        <p:spPr/>
-        <p:txBody>
-          <a:bodyPr/>
-          <a:lstStyle/>
-          <a:p>
-            <a:pPr algn="ctr"/>
-            <a:endParaRPr lang="pt-BR" sz="2400" b="1" u="sng" dirty="0" smtClean="0"/>
-          </a:p>
-          <a:p>
-            <a:pPr algn="ctr"/>
-            <a:r>
-              <a:rPr lang="pt-BR" sz="2400" b="1" u="sng" dirty="0" smtClean="0"/>
-              <a:t>OBRIGADO</a:t>
-            </a:r>
-            <a:endParaRPr lang="pt-BR" sz="2400" b="1" u="sng" dirty="0"/>
-          </a:p>
-          <a:p>
-            <a:pPr algn="ctr"/>
-            <a:r>
-              <a:rPr lang="pt-BR" sz="6000" b="1" dirty="0" smtClean="0"/>
-              <a:t>FIM!</a:t>
-            </a:r>
-            <a:endParaRPr lang="pt-BR" sz="6000" dirty="0"/>
           </a:p>
         </p:txBody>
       </p:sp>
@@ -6191,10 +6516,967 @@
           </a:prstGeom>
         </p:spPr>
       </p:pic>
+      <p:sp>
+        <p:nvSpPr>
+          <p:cNvPr id="4" name="Espaço Reservado para Conteúdo 3"/>
+          <p:cNvSpPr>
+            <a:spLocks noGrp="1"/>
+          </p:cNvSpPr>
+          <p:nvPr>
+            <p:ph idx="1"/>
+          </p:nvPr>
+        </p:nvSpPr>
+        <p:spPr>
+          <a:xfrm>
+            <a:off x="1097280" y="1704109"/>
+            <a:ext cx="10058400" cy="4164985"/>
+          </a:xfrm>
+        </p:spPr>
+        <p:txBody>
+          <a:bodyPr/>
+          <a:lstStyle/>
+          <a:p>
+            <a:pPr algn="ctr"/>
+            <a:r>
+              <a:rPr lang="pt-BR" b="1" dirty="0" smtClean="0"/>
+              <a:t>REST API</a:t>
+            </a:r>
+            <a:endParaRPr lang="pt-BR" b="1" dirty="0"/>
+          </a:p>
+          <a:p>
+            <a:pPr algn="ctr"/>
+            <a:endParaRPr lang="pt-BR" b="1" dirty="0"/>
+          </a:p>
+        </p:txBody>
+      </p:sp>
+      <p:pic>
+        <p:nvPicPr>
+          <p:cNvPr id="5" name="Imagem 4"/>
+          <p:cNvPicPr>
+            <a:picLocks noChangeAspect="1"/>
+          </p:cNvPicPr>
+          <p:nvPr/>
+        </p:nvPicPr>
+        <p:blipFill>
+          <a:blip r:embed="rId4" cstate="print">
+            <a:extLst>
+              <a:ext uri="{28A0092B-C50C-407E-A947-70E740481C1C}">
+                <a14:useLocalDpi xmlns:a14="http://schemas.microsoft.com/office/drawing/2010/main" val="0"/>
+              </a:ext>
+            </a:extLst>
+          </a:blip>
+          <a:stretch>
+            <a:fillRect/>
+          </a:stretch>
+        </p:blipFill>
+        <p:spPr>
+          <a:xfrm>
+            <a:off x="1445617" y="2374553"/>
+            <a:ext cx="1975700" cy="1213203"/>
+          </a:xfrm>
+          <a:prstGeom prst="rect">
+            <a:avLst/>
+          </a:prstGeom>
+        </p:spPr>
+      </p:pic>
+      <p:pic>
+        <p:nvPicPr>
+          <p:cNvPr id="10" name="Imagem 9"/>
+          <p:cNvPicPr>
+            <a:picLocks noChangeAspect="1"/>
+          </p:cNvPicPr>
+          <p:nvPr/>
+        </p:nvPicPr>
+        <p:blipFill>
+          <a:blip r:embed="rId5">
+            <a:extLst>
+              <a:ext uri="{28A0092B-C50C-407E-A947-70E740481C1C}">
+                <a14:useLocalDpi xmlns:a14="http://schemas.microsoft.com/office/drawing/2010/main" val="0"/>
+              </a:ext>
+            </a:extLst>
+          </a:blip>
+          <a:stretch>
+            <a:fillRect/>
+          </a:stretch>
+        </p:blipFill>
+        <p:spPr>
+          <a:xfrm>
+            <a:off x="3644212" y="2475409"/>
+            <a:ext cx="7411716" cy="2632916"/>
+          </a:xfrm>
+          <a:prstGeom prst="rect">
+            <a:avLst/>
+          </a:prstGeom>
+        </p:spPr>
+      </p:pic>
+      <p:sp>
+        <p:nvSpPr>
+          <p:cNvPr id="11" name="CaixaDeTexto 10"/>
+          <p:cNvSpPr txBox="1"/>
+          <p:nvPr/>
+        </p:nvSpPr>
+        <p:spPr>
+          <a:xfrm>
+            <a:off x="3555720" y="2144349"/>
+            <a:ext cx="1675395" cy="369332"/>
+          </a:xfrm>
+          <a:prstGeom prst="rect">
+            <a:avLst/>
+          </a:prstGeom>
+          <a:noFill/>
+        </p:spPr>
+        <p:txBody>
+          <a:bodyPr wrap="none" rtlCol="0">
+            <a:spAutoFit/>
+          </a:bodyPr>
+          <a:lstStyle/>
+          <a:p>
+            <a:r>
+              <a:rPr lang="pt-BR" dirty="0" smtClean="0"/>
+              <a:t>Application.java</a:t>
+            </a:r>
+            <a:endParaRPr lang="pt-BR" dirty="0"/>
+          </a:p>
+        </p:txBody>
+      </p:sp>
+      <p:pic>
+        <p:nvPicPr>
+          <p:cNvPr id="12" name="Imagem 11"/>
+          <p:cNvPicPr>
+            <a:picLocks noChangeAspect="1"/>
+          </p:cNvPicPr>
+          <p:nvPr/>
+        </p:nvPicPr>
+        <p:blipFill>
+          <a:blip r:embed="rId6" cstate="print">
+            <a:extLst>
+              <a:ext uri="{28A0092B-C50C-407E-A947-70E740481C1C}">
+                <a14:useLocalDpi xmlns:a14="http://schemas.microsoft.com/office/drawing/2010/main" val="0"/>
+              </a:ext>
+            </a:extLst>
+          </a:blip>
+          <a:stretch>
+            <a:fillRect/>
+          </a:stretch>
+        </p:blipFill>
+        <p:spPr>
+          <a:xfrm>
+            <a:off x="2085757" y="3706463"/>
+            <a:ext cx="1112664" cy="1187769"/>
+          </a:xfrm>
+          <a:prstGeom prst="rect">
+            <a:avLst/>
+          </a:prstGeom>
+        </p:spPr>
+      </p:pic>
     </p:spTree>
     <p:extLst>
       <p:ext uri="{BB962C8B-B14F-4D97-AF65-F5344CB8AC3E}">
-        <p14:creationId xmlns:p14="http://schemas.microsoft.com/office/powerpoint/2010/main" val="3824393602"/>
+        <p14:creationId xmlns:p14="http://schemas.microsoft.com/office/powerpoint/2010/main" val="3320281680"/>
+      </p:ext>
+    </p:extLst>
+  </p:cSld>
+  <p:clrMapOvr>
+    <a:masterClrMapping/>
+  </p:clrMapOvr>
+  <p:timing>
+    <p:tnLst>
+      <p:par>
+        <p:cTn id="1" dur="indefinite" restart="never" nodeType="tmRoot"/>
+      </p:par>
+    </p:tnLst>
+  </p:timing>
+</p:sld>
+</file>
+
+<file path=ppt/slides/slide17.xml><?xml version="1.0" encoding="utf-8"?>
+<p:sld xmlns:a="http://schemas.openxmlformats.org/drawingml/2006/main" xmlns:r="http://schemas.openxmlformats.org/officeDocument/2006/relationships" xmlns:p="http://schemas.openxmlformats.org/presentationml/2006/main">
+  <p:cSld>
+    <p:spTree>
+      <p:nvGrpSpPr>
+        <p:cNvPr id="1" name=""/>
+        <p:cNvGrpSpPr/>
+        <p:nvPr/>
+      </p:nvGrpSpPr>
+      <p:grpSpPr>
+        <a:xfrm>
+          <a:off x="0" y="0"/>
+          <a:ext cx="0" cy="0"/>
+          <a:chOff x="0" y="0"/>
+          <a:chExt cx="0" cy="0"/>
+        </a:xfrm>
+      </p:grpSpPr>
+      <p:sp>
+        <p:nvSpPr>
+          <p:cNvPr id="3" name="Título 2"/>
+          <p:cNvSpPr>
+            <a:spLocks noGrp="1"/>
+          </p:cNvSpPr>
+          <p:nvPr>
+            <p:ph type="title"/>
+          </p:nvPr>
+        </p:nvSpPr>
+        <p:spPr>
+          <a:xfrm>
+            <a:off x="1097279" y="286603"/>
+            <a:ext cx="10115203" cy="837347"/>
+          </a:xfrm>
+        </p:spPr>
+        <p:txBody>
+          <a:bodyPr/>
+          <a:lstStyle/>
+          <a:p>
+            <a:pPr algn="r"/>
+            <a:r>
+              <a:rPr lang="pt-BR" u="sng" dirty="0" smtClean="0">
+                <a:solidFill>
+                  <a:schemeClr val="accent1"/>
+                </a:solidFill>
+              </a:rPr>
+              <a:t>MASTERMENU</a:t>
+            </a:r>
+            <a:r>
+              <a:rPr lang="pt-BR" dirty="0" smtClean="0">
+                <a:solidFill>
+                  <a:schemeClr val="tx2"/>
+                </a:solidFill>
+              </a:rPr>
+              <a:t>/Tecnologias</a:t>
+            </a:r>
+            <a:endParaRPr lang="pt-BR" u="sng" dirty="0">
+              <a:solidFill>
+                <a:schemeClr val="accent1"/>
+              </a:solidFill>
+            </a:endParaRPr>
+          </a:p>
+        </p:txBody>
+      </p:sp>
+      <p:sp>
+        <p:nvSpPr>
+          <p:cNvPr id="2" name="Espaço Reservado para Número de Slide 1"/>
+          <p:cNvSpPr>
+            <a:spLocks noGrp="1"/>
+          </p:cNvSpPr>
+          <p:nvPr>
+            <p:ph type="sldNum" sz="quarter" idx="12"/>
+          </p:nvPr>
+        </p:nvSpPr>
+        <p:spPr/>
+        <p:txBody>
+          <a:bodyPr/>
+          <a:lstStyle/>
+          <a:p>
+            <a:fld id="{87A781BF-89C7-476E-8532-501EF5108625}" type="slidenum">
+              <a:rPr lang="pt-BR" smtClean="0"/>
+              <a:t>17</a:t>
+            </a:fld>
+            <a:endParaRPr lang="pt-BR"/>
+          </a:p>
+        </p:txBody>
+      </p:sp>
+      <p:pic>
+        <p:nvPicPr>
+          <p:cNvPr id="8" name="Imagem 7"/>
+          <p:cNvPicPr>
+            <a:picLocks noChangeAspect="1"/>
+          </p:cNvPicPr>
+          <p:nvPr/>
+        </p:nvPicPr>
+        <p:blipFill>
+          <a:blip r:embed="rId2">
+            <a:extLst>
+              <a:ext uri="{28A0092B-C50C-407E-A947-70E740481C1C}">
+                <a14:useLocalDpi xmlns:a14="http://schemas.microsoft.com/office/drawing/2010/main" val="0"/>
+              </a:ext>
+            </a:extLst>
+          </a:blip>
+          <a:stretch>
+            <a:fillRect/>
+          </a:stretch>
+        </p:blipFill>
+        <p:spPr>
+          <a:xfrm>
+            <a:off x="0" y="0"/>
+            <a:ext cx="4067175" cy="1123950"/>
+          </a:xfrm>
+          <a:prstGeom prst="rect">
+            <a:avLst/>
+          </a:prstGeom>
+        </p:spPr>
+      </p:pic>
+      <p:pic>
+        <p:nvPicPr>
+          <p:cNvPr id="9" name="Imagem 8"/>
+          <p:cNvPicPr>
+            <a:picLocks noChangeAspect="1"/>
+          </p:cNvPicPr>
+          <p:nvPr/>
+        </p:nvPicPr>
+        <p:blipFill>
+          <a:blip r:embed="rId3">
+            <a:extLst>
+              <a:ext uri="{28A0092B-C50C-407E-A947-70E740481C1C}">
+                <a14:useLocalDpi xmlns:a14="http://schemas.microsoft.com/office/drawing/2010/main" val="0"/>
+              </a:ext>
+            </a:extLst>
+          </a:blip>
+          <a:stretch>
+            <a:fillRect/>
+          </a:stretch>
+        </p:blipFill>
+        <p:spPr>
+          <a:xfrm>
+            <a:off x="0" y="4678000"/>
+            <a:ext cx="3790780" cy="1649057"/>
+          </a:xfrm>
+          <a:prstGeom prst="rect">
+            <a:avLst/>
+          </a:prstGeom>
+        </p:spPr>
+      </p:pic>
+      <p:sp>
+        <p:nvSpPr>
+          <p:cNvPr id="4" name="Espaço Reservado para Conteúdo 3"/>
+          <p:cNvSpPr>
+            <a:spLocks noGrp="1"/>
+          </p:cNvSpPr>
+          <p:nvPr>
+            <p:ph idx="1"/>
+          </p:nvPr>
+        </p:nvSpPr>
+        <p:spPr>
+          <a:xfrm>
+            <a:off x="1097280" y="1704109"/>
+            <a:ext cx="10058400" cy="4164985"/>
+          </a:xfrm>
+        </p:spPr>
+        <p:txBody>
+          <a:bodyPr/>
+          <a:lstStyle/>
+          <a:p>
+            <a:pPr algn="ctr"/>
+            <a:r>
+              <a:rPr lang="pt-BR" b="1" dirty="0" smtClean="0"/>
+              <a:t>REST API</a:t>
+            </a:r>
+            <a:endParaRPr lang="pt-BR" b="1" dirty="0"/>
+          </a:p>
+          <a:p>
+            <a:pPr algn="ctr"/>
+            <a:endParaRPr lang="pt-BR" b="1" dirty="0"/>
+          </a:p>
+        </p:txBody>
+      </p:sp>
+      <p:pic>
+        <p:nvPicPr>
+          <p:cNvPr id="6" name="Imagem 5"/>
+          <p:cNvPicPr>
+            <a:picLocks noChangeAspect="1"/>
+          </p:cNvPicPr>
+          <p:nvPr/>
+        </p:nvPicPr>
+        <p:blipFill>
+          <a:blip r:embed="rId4">
+            <a:extLst>
+              <a:ext uri="{28A0092B-C50C-407E-A947-70E740481C1C}">
+                <a14:useLocalDpi xmlns:a14="http://schemas.microsoft.com/office/drawing/2010/main" val="0"/>
+              </a:ext>
+            </a:extLst>
+          </a:blip>
+          <a:stretch>
+            <a:fillRect/>
+          </a:stretch>
+        </p:blipFill>
+        <p:spPr>
+          <a:xfrm>
+            <a:off x="4761284" y="2394267"/>
+            <a:ext cx="1825769" cy="1825769"/>
+          </a:xfrm>
+          <a:prstGeom prst="rect">
+            <a:avLst/>
+          </a:prstGeom>
+        </p:spPr>
+      </p:pic>
+      <p:pic>
+        <p:nvPicPr>
+          <p:cNvPr id="7" name="Imagem 6"/>
+          <p:cNvPicPr>
+            <a:picLocks noChangeAspect="1"/>
+          </p:cNvPicPr>
+          <p:nvPr/>
+        </p:nvPicPr>
+        <p:blipFill>
+          <a:blip r:embed="rId5">
+            <a:extLst>
+              <a:ext uri="{28A0092B-C50C-407E-A947-70E740481C1C}">
+                <a14:useLocalDpi xmlns:a14="http://schemas.microsoft.com/office/drawing/2010/main" val="0"/>
+              </a:ext>
+            </a:extLst>
+          </a:blip>
+          <a:stretch>
+            <a:fillRect/>
+          </a:stretch>
+        </p:blipFill>
+        <p:spPr>
+          <a:xfrm>
+            <a:off x="182491" y="2034627"/>
+            <a:ext cx="4559413" cy="2545047"/>
+          </a:xfrm>
+          <a:prstGeom prst="rect">
+            <a:avLst/>
+          </a:prstGeom>
+        </p:spPr>
+      </p:pic>
+      <p:pic>
+        <p:nvPicPr>
+          <p:cNvPr id="12" name="Imagem 11"/>
+          <p:cNvPicPr>
+            <a:picLocks noChangeAspect="1"/>
+          </p:cNvPicPr>
+          <p:nvPr/>
+        </p:nvPicPr>
+        <p:blipFill>
+          <a:blip r:embed="rId6">
+            <a:extLst>
+              <a:ext uri="{28A0092B-C50C-407E-A947-70E740481C1C}">
+                <a14:useLocalDpi xmlns:a14="http://schemas.microsoft.com/office/drawing/2010/main" val="0"/>
+              </a:ext>
+            </a:extLst>
+          </a:blip>
+          <a:stretch>
+            <a:fillRect/>
+          </a:stretch>
+        </p:blipFill>
+        <p:spPr>
+          <a:xfrm>
+            <a:off x="6693211" y="2017670"/>
+            <a:ext cx="5203623" cy="3634985"/>
+          </a:xfrm>
+          <a:prstGeom prst="rect">
+            <a:avLst/>
+          </a:prstGeom>
+        </p:spPr>
+      </p:pic>
+      <p:sp>
+        <p:nvSpPr>
+          <p:cNvPr id="13" name="CaixaDeTexto 12"/>
+          <p:cNvSpPr txBox="1"/>
+          <p:nvPr/>
+        </p:nvSpPr>
+        <p:spPr>
+          <a:xfrm>
+            <a:off x="3558282" y="4540860"/>
+            <a:ext cx="1208151" cy="369332"/>
+          </a:xfrm>
+          <a:prstGeom prst="rect">
+            <a:avLst/>
+          </a:prstGeom>
+          <a:noFill/>
+        </p:spPr>
+        <p:txBody>
+          <a:bodyPr wrap="none" rtlCol="0">
+            <a:spAutoFit/>
+          </a:bodyPr>
+          <a:lstStyle/>
+          <a:p>
+            <a:r>
+              <a:rPr lang="pt-BR" dirty="0" smtClean="0"/>
+              <a:t>House.java</a:t>
+            </a:r>
+            <a:endParaRPr lang="pt-BR" dirty="0"/>
+          </a:p>
+        </p:txBody>
+      </p:sp>
+      <p:sp>
+        <p:nvSpPr>
+          <p:cNvPr id="14" name="CaixaDeTexto 13"/>
+          <p:cNvSpPr txBox="1"/>
+          <p:nvPr/>
+        </p:nvSpPr>
+        <p:spPr>
+          <a:xfrm>
+            <a:off x="6693211" y="5641011"/>
+            <a:ext cx="1626792" cy="369332"/>
+          </a:xfrm>
+          <a:prstGeom prst="rect">
+            <a:avLst/>
+          </a:prstGeom>
+          <a:noFill/>
+        </p:spPr>
+        <p:txBody>
+          <a:bodyPr wrap="none" rtlCol="0">
+            <a:spAutoFit/>
+          </a:bodyPr>
+          <a:lstStyle/>
+          <a:p>
+            <a:r>
+              <a:rPr lang="pt-BR" dirty="0" smtClean="0"/>
+              <a:t>HouseDAO.java</a:t>
+            </a:r>
+            <a:endParaRPr lang="pt-BR" dirty="0"/>
+          </a:p>
+        </p:txBody>
+      </p:sp>
+    </p:spTree>
+    <p:extLst>
+      <p:ext uri="{BB962C8B-B14F-4D97-AF65-F5344CB8AC3E}">
+        <p14:creationId xmlns:p14="http://schemas.microsoft.com/office/powerpoint/2010/main" val="4184023325"/>
+      </p:ext>
+    </p:extLst>
+  </p:cSld>
+  <p:clrMapOvr>
+    <a:masterClrMapping/>
+  </p:clrMapOvr>
+  <p:timing>
+    <p:tnLst>
+      <p:par>
+        <p:cTn id="1" dur="indefinite" restart="never" nodeType="tmRoot"/>
+      </p:par>
+    </p:tnLst>
+  </p:timing>
+</p:sld>
+</file>
+
+<file path=ppt/slides/slide18.xml><?xml version="1.0" encoding="utf-8"?>
+<p:sld xmlns:a="http://schemas.openxmlformats.org/drawingml/2006/main" xmlns:r="http://schemas.openxmlformats.org/officeDocument/2006/relationships" xmlns:p="http://schemas.openxmlformats.org/presentationml/2006/main">
+  <p:cSld>
+    <p:spTree>
+      <p:nvGrpSpPr>
+        <p:cNvPr id="1" name=""/>
+        <p:cNvGrpSpPr/>
+        <p:nvPr/>
+      </p:nvGrpSpPr>
+      <p:grpSpPr>
+        <a:xfrm>
+          <a:off x="0" y="0"/>
+          <a:ext cx="0" cy="0"/>
+          <a:chOff x="0" y="0"/>
+          <a:chExt cx="0" cy="0"/>
+        </a:xfrm>
+      </p:grpSpPr>
+      <p:sp>
+        <p:nvSpPr>
+          <p:cNvPr id="3" name="Título 2"/>
+          <p:cNvSpPr>
+            <a:spLocks noGrp="1"/>
+          </p:cNvSpPr>
+          <p:nvPr>
+            <p:ph type="title"/>
+          </p:nvPr>
+        </p:nvSpPr>
+        <p:spPr>
+          <a:xfrm>
+            <a:off x="1097279" y="286603"/>
+            <a:ext cx="10115203" cy="837347"/>
+          </a:xfrm>
+        </p:spPr>
+        <p:txBody>
+          <a:bodyPr/>
+          <a:lstStyle/>
+          <a:p>
+            <a:pPr algn="r"/>
+            <a:r>
+              <a:rPr lang="pt-BR" u="sng" dirty="0" smtClean="0">
+                <a:solidFill>
+                  <a:schemeClr val="accent1"/>
+                </a:solidFill>
+              </a:rPr>
+              <a:t>MASTERMENU</a:t>
+            </a:r>
+            <a:r>
+              <a:rPr lang="pt-BR" dirty="0" smtClean="0">
+                <a:solidFill>
+                  <a:schemeClr val="tx2"/>
+                </a:solidFill>
+              </a:rPr>
+              <a:t>/Tecnologias</a:t>
+            </a:r>
+            <a:endParaRPr lang="pt-BR" u="sng" dirty="0">
+              <a:solidFill>
+                <a:schemeClr val="accent1"/>
+              </a:solidFill>
+            </a:endParaRPr>
+          </a:p>
+        </p:txBody>
+      </p:sp>
+      <p:sp>
+        <p:nvSpPr>
+          <p:cNvPr id="2" name="Espaço Reservado para Número de Slide 1"/>
+          <p:cNvSpPr>
+            <a:spLocks noGrp="1"/>
+          </p:cNvSpPr>
+          <p:nvPr>
+            <p:ph type="sldNum" sz="quarter" idx="12"/>
+          </p:nvPr>
+        </p:nvSpPr>
+        <p:spPr/>
+        <p:txBody>
+          <a:bodyPr/>
+          <a:lstStyle/>
+          <a:p>
+            <a:fld id="{87A781BF-89C7-476E-8532-501EF5108625}" type="slidenum">
+              <a:rPr lang="pt-BR" smtClean="0"/>
+              <a:t>18</a:t>
+            </a:fld>
+            <a:endParaRPr lang="pt-BR"/>
+          </a:p>
+        </p:txBody>
+      </p:sp>
+      <p:pic>
+        <p:nvPicPr>
+          <p:cNvPr id="8" name="Imagem 7"/>
+          <p:cNvPicPr>
+            <a:picLocks noChangeAspect="1"/>
+          </p:cNvPicPr>
+          <p:nvPr/>
+        </p:nvPicPr>
+        <p:blipFill>
+          <a:blip r:embed="rId2">
+            <a:extLst>
+              <a:ext uri="{28A0092B-C50C-407E-A947-70E740481C1C}">
+                <a14:useLocalDpi xmlns:a14="http://schemas.microsoft.com/office/drawing/2010/main" val="0"/>
+              </a:ext>
+            </a:extLst>
+          </a:blip>
+          <a:stretch>
+            <a:fillRect/>
+          </a:stretch>
+        </p:blipFill>
+        <p:spPr>
+          <a:xfrm>
+            <a:off x="0" y="0"/>
+            <a:ext cx="4067175" cy="1123950"/>
+          </a:xfrm>
+          <a:prstGeom prst="rect">
+            <a:avLst/>
+          </a:prstGeom>
+        </p:spPr>
+      </p:pic>
+      <p:pic>
+        <p:nvPicPr>
+          <p:cNvPr id="9" name="Imagem 8"/>
+          <p:cNvPicPr>
+            <a:picLocks noChangeAspect="1"/>
+          </p:cNvPicPr>
+          <p:nvPr/>
+        </p:nvPicPr>
+        <p:blipFill>
+          <a:blip r:embed="rId3">
+            <a:extLst>
+              <a:ext uri="{28A0092B-C50C-407E-A947-70E740481C1C}">
+                <a14:useLocalDpi xmlns:a14="http://schemas.microsoft.com/office/drawing/2010/main" val="0"/>
+              </a:ext>
+            </a:extLst>
+          </a:blip>
+          <a:stretch>
+            <a:fillRect/>
+          </a:stretch>
+        </p:blipFill>
+        <p:spPr>
+          <a:xfrm>
+            <a:off x="0" y="4678000"/>
+            <a:ext cx="3790780" cy="1649057"/>
+          </a:xfrm>
+          <a:prstGeom prst="rect">
+            <a:avLst/>
+          </a:prstGeom>
+        </p:spPr>
+      </p:pic>
+      <p:sp>
+        <p:nvSpPr>
+          <p:cNvPr id="4" name="Espaço Reservado para Conteúdo 3"/>
+          <p:cNvSpPr>
+            <a:spLocks noGrp="1"/>
+          </p:cNvSpPr>
+          <p:nvPr>
+            <p:ph idx="1"/>
+          </p:nvPr>
+        </p:nvSpPr>
+        <p:spPr>
+          <a:xfrm>
+            <a:off x="1097280" y="1704109"/>
+            <a:ext cx="10058400" cy="4164985"/>
+          </a:xfrm>
+        </p:spPr>
+        <p:txBody>
+          <a:bodyPr/>
+          <a:lstStyle/>
+          <a:p>
+            <a:pPr algn="ctr"/>
+            <a:r>
+              <a:rPr lang="pt-BR" b="1" dirty="0" smtClean="0"/>
+              <a:t>REST API</a:t>
+            </a:r>
+            <a:endParaRPr lang="pt-BR" b="1" dirty="0"/>
+          </a:p>
+          <a:p>
+            <a:pPr algn="ctr"/>
+            <a:endParaRPr lang="pt-BR" b="1" dirty="0"/>
+          </a:p>
+        </p:txBody>
+      </p:sp>
+      <p:pic>
+        <p:nvPicPr>
+          <p:cNvPr id="5" name="Imagem 4"/>
+          <p:cNvPicPr>
+            <a:picLocks noChangeAspect="1"/>
+          </p:cNvPicPr>
+          <p:nvPr/>
+        </p:nvPicPr>
+        <p:blipFill>
+          <a:blip r:embed="rId4">
+            <a:extLst>
+              <a:ext uri="{28A0092B-C50C-407E-A947-70E740481C1C}">
+                <a14:useLocalDpi xmlns:a14="http://schemas.microsoft.com/office/drawing/2010/main" val="0"/>
+              </a:ext>
+            </a:extLst>
+          </a:blip>
+          <a:stretch>
+            <a:fillRect/>
+          </a:stretch>
+        </p:blipFill>
+        <p:spPr>
+          <a:xfrm>
+            <a:off x="8289348" y="4422057"/>
+            <a:ext cx="3676650" cy="1905000"/>
+          </a:xfrm>
+          <a:prstGeom prst="rect">
+            <a:avLst/>
+          </a:prstGeom>
+        </p:spPr>
+      </p:pic>
+      <p:pic>
+        <p:nvPicPr>
+          <p:cNvPr id="10" name="Imagem 9"/>
+          <p:cNvPicPr>
+            <a:picLocks noChangeAspect="1"/>
+          </p:cNvPicPr>
+          <p:nvPr/>
+        </p:nvPicPr>
+        <p:blipFill>
+          <a:blip r:embed="rId5">
+            <a:extLst>
+              <a:ext uri="{28A0092B-C50C-407E-A947-70E740481C1C}">
+                <a14:useLocalDpi xmlns:a14="http://schemas.microsoft.com/office/drawing/2010/main" val="0"/>
+              </a:ext>
+            </a:extLst>
+          </a:blip>
+          <a:stretch>
+            <a:fillRect/>
+          </a:stretch>
+        </p:blipFill>
+        <p:spPr>
+          <a:xfrm>
+            <a:off x="1790698" y="2008909"/>
+            <a:ext cx="8728364" cy="3117273"/>
+          </a:xfrm>
+          <a:prstGeom prst="rect">
+            <a:avLst/>
+          </a:prstGeom>
+        </p:spPr>
+      </p:pic>
+      <p:sp>
+        <p:nvSpPr>
+          <p:cNvPr id="11" name="CaixaDeTexto 10"/>
+          <p:cNvSpPr txBox="1"/>
+          <p:nvPr/>
+        </p:nvSpPr>
+        <p:spPr>
+          <a:xfrm>
+            <a:off x="5624946" y="5061650"/>
+            <a:ext cx="1284775" cy="369332"/>
+          </a:xfrm>
+          <a:prstGeom prst="rect">
+            <a:avLst/>
+          </a:prstGeom>
+          <a:noFill/>
+        </p:spPr>
+        <p:txBody>
+          <a:bodyPr wrap="none" rtlCol="0">
+            <a:spAutoFit/>
+          </a:bodyPr>
+          <a:lstStyle/>
+          <a:p>
+            <a:r>
+              <a:rPr lang="pt-BR" dirty="0" smtClean="0"/>
+              <a:t>Tabela </a:t>
+            </a:r>
+            <a:r>
+              <a:rPr lang="pt-BR" dirty="0" err="1" smtClean="0"/>
+              <a:t>user</a:t>
+            </a:r>
+            <a:endParaRPr lang="pt-BR" dirty="0"/>
+          </a:p>
+        </p:txBody>
+      </p:sp>
+    </p:spTree>
+    <p:extLst>
+      <p:ext uri="{BB962C8B-B14F-4D97-AF65-F5344CB8AC3E}">
+        <p14:creationId xmlns:p14="http://schemas.microsoft.com/office/powerpoint/2010/main" val="2342567084"/>
+      </p:ext>
+    </p:extLst>
+  </p:cSld>
+  <p:clrMapOvr>
+    <a:masterClrMapping/>
+  </p:clrMapOvr>
+  <p:timing>
+    <p:tnLst>
+      <p:par>
+        <p:cTn id="1" dur="indefinite" restart="never" nodeType="tmRoot"/>
+      </p:par>
+    </p:tnLst>
+  </p:timing>
+</p:sld>
+</file>
+
+<file path=ppt/slides/slide19.xml><?xml version="1.0" encoding="utf-8"?>
+<p:sld xmlns:a="http://schemas.openxmlformats.org/drawingml/2006/main" xmlns:r="http://schemas.openxmlformats.org/officeDocument/2006/relationships" xmlns:p="http://schemas.openxmlformats.org/presentationml/2006/main">
+  <p:cSld>
+    <p:spTree>
+      <p:nvGrpSpPr>
+        <p:cNvPr id="1" name=""/>
+        <p:cNvGrpSpPr/>
+        <p:nvPr/>
+      </p:nvGrpSpPr>
+      <p:grpSpPr>
+        <a:xfrm>
+          <a:off x="0" y="0"/>
+          <a:ext cx="0" cy="0"/>
+          <a:chOff x="0" y="0"/>
+          <a:chExt cx="0" cy="0"/>
+        </a:xfrm>
+      </p:grpSpPr>
+      <p:sp>
+        <p:nvSpPr>
+          <p:cNvPr id="3" name="Título 2"/>
+          <p:cNvSpPr>
+            <a:spLocks noGrp="1"/>
+          </p:cNvSpPr>
+          <p:nvPr>
+            <p:ph type="title"/>
+          </p:nvPr>
+        </p:nvSpPr>
+        <p:spPr>
+          <a:xfrm>
+            <a:off x="1097279" y="1"/>
+            <a:ext cx="10115203" cy="818865"/>
+          </a:xfrm>
+        </p:spPr>
+        <p:txBody>
+          <a:bodyPr/>
+          <a:lstStyle/>
+          <a:p>
+            <a:pPr algn="r"/>
+            <a:r>
+              <a:rPr lang="pt-BR" u="sng" dirty="0" smtClean="0">
+                <a:solidFill>
+                  <a:schemeClr val="accent1"/>
+                </a:solidFill>
+              </a:rPr>
+              <a:t>MASTERMENU</a:t>
+            </a:r>
+            <a:r>
+              <a:rPr lang="pt-BR" dirty="0" smtClean="0">
+                <a:solidFill>
+                  <a:schemeClr val="tx2"/>
+                </a:solidFill>
+              </a:rPr>
+              <a:t>/MVP</a:t>
+            </a:r>
+            <a:endParaRPr lang="pt-BR" dirty="0">
+              <a:solidFill>
+                <a:schemeClr val="tx2"/>
+              </a:solidFill>
+            </a:endParaRPr>
+          </a:p>
+        </p:txBody>
+      </p:sp>
+      <p:sp>
+        <p:nvSpPr>
+          <p:cNvPr id="2" name="Espaço Reservado para Número de Slide 1"/>
+          <p:cNvSpPr>
+            <a:spLocks noGrp="1"/>
+          </p:cNvSpPr>
+          <p:nvPr>
+            <p:ph type="sldNum" sz="quarter" idx="12"/>
+          </p:nvPr>
+        </p:nvSpPr>
+        <p:spPr/>
+        <p:txBody>
+          <a:bodyPr/>
+          <a:lstStyle/>
+          <a:p>
+            <a:fld id="{87A781BF-89C7-476E-8532-501EF5108625}" type="slidenum">
+              <a:rPr lang="pt-BR" smtClean="0"/>
+              <a:t>19</a:t>
+            </a:fld>
+            <a:endParaRPr lang="pt-BR"/>
+          </a:p>
+        </p:txBody>
+      </p:sp>
+      <p:pic>
+        <p:nvPicPr>
+          <p:cNvPr id="8" name="Imagem 7"/>
+          <p:cNvPicPr>
+            <a:picLocks noChangeAspect="1"/>
+          </p:cNvPicPr>
+          <p:nvPr/>
+        </p:nvPicPr>
+        <p:blipFill>
+          <a:blip r:embed="rId3">
+            <a:extLst>
+              <a:ext uri="{28A0092B-C50C-407E-A947-70E740481C1C}">
+                <a14:useLocalDpi xmlns:a14="http://schemas.microsoft.com/office/drawing/2010/main" val="0"/>
+              </a:ext>
+            </a:extLst>
+          </a:blip>
+          <a:stretch>
+            <a:fillRect/>
+          </a:stretch>
+        </p:blipFill>
+        <p:spPr>
+          <a:xfrm>
+            <a:off x="0" y="0"/>
+            <a:ext cx="4067175" cy="818866"/>
+          </a:xfrm>
+          <a:prstGeom prst="rect">
+            <a:avLst/>
+          </a:prstGeom>
+        </p:spPr>
+      </p:pic>
+      <p:pic>
+        <p:nvPicPr>
+          <p:cNvPr id="5" name="Espaço Reservado para Conteúdo 4"/>
+          <p:cNvPicPr>
+            <a:picLocks noGrp="1" noChangeAspect="1"/>
+          </p:cNvPicPr>
+          <p:nvPr>
+            <p:ph idx="1"/>
+          </p:nvPr>
+        </p:nvPicPr>
+        <p:blipFill>
+          <a:blip r:embed="rId4">
+            <a:extLst>
+              <a:ext uri="{28A0092B-C50C-407E-A947-70E740481C1C}">
+                <a14:useLocalDpi xmlns:a14="http://schemas.microsoft.com/office/drawing/2010/main" val="0"/>
+              </a:ext>
+            </a:extLst>
+          </a:blip>
+          <a:stretch>
+            <a:fillRect/>
+          </a:stretch>
+        </p:blipFill>
+        <p:spPr>
+          <a:xfrm>
+            <a:off x="1" y="818866"/>
+            <a:ext cx="12191999" cy="6039134"/>
+          </a:xfrm>
+        </p:spPr>
+      </p:pic>
+    </p:spTree>
+    <p:extLst>
+      <p:ext uri="{BB962C8B-B14F-4D97-AF65-F5344CB8AC3E}">
+        <p14:creationId xmlns:p14="http://schemas.microsoft.com/office/powerpoint/2010/main" val="2806582623"/>
       </p:ext>
     </p:extLst>
   </p:cSld>
@@ -6283,7 +7565,19 @@
             </a:br>
             <a:r>
               <a:rPr lang="pt-BR" dirty="0" smtClean="0"/>
-              <a:t>Sistema de autoatendimento para consumidores de bares e restaurantes</a:t>
+              <a:t>Sistema de autoatendimento para </a:t>
+            </a:r>
+            <a:r>
+              <a:rPr lang="pt-BR" dirty="0" smtClean="0"/>
+              <a:t>clientes </a:t>
+            </a:r>
+            <a:r>
+              <a:rPr lang="pt-BR" dirty="0" smtClean="0"/>
+              <a:t>de </a:t>
+            </a:r>
+            <a:r>
+              <a:rPr lang="pt-BR" dirty="0" smtClean="0"/>
+              <a:t>restaurantes e similares</a:t>
             </a:r>
             <a:endParaRPr lang="pt-BR" sz="3600" dirty="0"/>
           </a:p>
@@ -6376,6 +7670,830 @@
     <p:extLst>
       <p:ext uri="{BB962C8B-B14F-4D97-AF65-F5344CB8AC3E}">
         <p14:creationId xmlns:p14="http://schemas.microsoft.com/office/powerpoint/2010/main" val="3763071453"/>
+      </p:ext>
+    </p:extLst>
+  </p:cSld>
+  <p:clrMapOvr>
+    <a:masterClrMapping/>
+  </p:clrMapOvr>
+  <p:timing>
+    <p:tnLst>
+      <p:par>
+        <p:cTn id="1" dur="indefinite" restart="never" nodeType="tmRoot"/>
+      </p:par>
+    </p:tnLst>
+  </p:timing>
+</p:sld>
+</file>
+
+<file path=ppt/slides/slide20.xml><?xml version="1.0" encoding="utf-8"?>
+<p:sld xmlns:a="http://schemas.openxmlformats.org/drawingml/2006/main" xmlns:r="http://schemas.openxmlformats.org/officeDocument/2006/relationships" xmlns:p="http://schemas.openxmlformats.org/presentationml/2006/main">
+  <p:cSld>
+    <p:spTree>
+      <p:nvGrpSpPr>
+        <p:cNvPr id="1" name=""/>
+        <p:cNvGrpSpPr/>
+        <p:nvPr/>
+      </p:nvGrpSpPr>
+      <p:grpSpPr>
+        <a:xfrm>
+          <a:off x="0" y="0"/>
+          <a:ext cx="0" cy="0"/>
+          <a:chOff x="0" y="0"/>
+          <a:chExt cx="0" cy="0"/>
+        </a:xfrm>
+      </p:grpSpPr>
+      <p:sp>
+        <p:nvSpPr>
+          <p:cNvPr id="3" name="Título 2"/>
+          <p:cNvSpPr>
+            <a:spLocks noGrp="1"/>
+          </p:cNvSpPr>
+          <p:nvPr>
+            <p:ph type="title"/>
+          </p:nvPr>
+        </p:nvSpPr>
+        <p:spPr>
+          <a:xfrm>
+            <a:off x="1097279" y="286603"/>
+            <a:ext cx="10115203" cy="837347"/>
+          </a:xfrm>
+        </p:spPr>
+        <p:txBody>
+          <a:bodyPr/>
+          <a:lstStyle/>
+          <a:p>
+            <a:pPr algn="r"/>
+            <a:r>
+              <a:rPr lang="pt-BR" u="sng" dirty="0" smtClean="0">
+                <a:solidFill>
+                  <a:schemeClr val="accent1"/>
+                </a:solidFill>
+              </a:rPr>
+              <a:t>MASTERMENU</a:t>
+            </a:r>
+            <a:endParaRPr lang="pt-BR" dirty="0">
+              <a:solidFill>
+                <a:schemeClr val="tx2"/>
+              </a:solidFill>
+            </a:endParaRPr>
+          </a:p>
+        </p:txBody>
+      </p:sp>
+      <p:sp>
+        <p:nvSpPr>
+          <p:cNvPr id="4" name="Espaço Reservado para Conteúdo 3"/>
+          <p:cNvSpPr>
+            <a:spLocks noGrp="1"/>
+          </p:cNvSpPr>
+          <p:nvPr>
+            <p:ph idx="1"/>
+          </p:nvPr>
+        </p:nvSpPr>
+        <p:spPr/>
+        <p:txBody>
+          <a:bodyPr/>
+          <a:lstStyle/>
+          <a:p>
+            <a:pPr algn="ctr"/>
+            <a:r>
+              <a:rPr lang="pt-BR" b="1" dirty="0" smtClean="0"/>
+              <a:t>TRABALHOS FUTUROS</a:t>
+            </a:r>
+          </a:p>
+          <a:p>
+            <a:pPr>
+              <a:buFont typeface="Wingdings" panose="05000000000000000000" pitchFamily="2" charset="2"/>
+              <a:buChar char="§"/>
+            </a:pPr>
+            <a:r>
+              <a:rPr lang="pt-BR" dirty="0" smtClean="0"/>
+              <a:t>Autenticação para solicitações com </a:t>
+            </a:r>
+            <a:r>
+              <a:rPr lang="pt-BR" dirty="0" err="1" smtClean="0"/>
+              <a:t>token</a:t>
+            </a:r>
+            <a:r>
+              <a:rPr lang="pt-BR" dirty="0" smtClean="0"/>
+              <a:t> do estabelecimento</a:t>
+            </a:r>
+          </a:p>
+          <a:p>
+            <a:pPr>
+              <a:buFont typeface="Wingdings" panose="05000000000000000000" pitchFamily="2" charset="2"/>
+              <a:buChar char="§"/>
+            </a:pPr>
+            <a:r>
+              <a:rPr lang="pt-BR" dirty="0" smtClean="0"/>
+              <a:t>Geolocalização de estabelecimentos próximos</a:t>
+            </a:r>
+          </a:p>
+          <a:p>
+            <a:pPr>
+              <a:buFont typeface="Wingdings" panose="05000000000000000000" pitchFamily="2" charset="2"/>
+              <a:buChar char="§"/>
+            </a:pPr>
+            <a:r>
+              <a:rPr lang="pt-BR" dirty="0" err="1" smtClean="0"/>
+              <a:t>Login</a:t>
+            </a:r>
+            <a:r>
+              <a:rPr lang="pt-BR" dirty="0" smtClean="0"/>
+              <a:t> com </a:t>
+            </a:r>
+            <a:r>
+              <a:rPr lang="pt-BR" dirty="0" err="1" smtClean="0"/>
+              <a:t>Facebook</a:t>
+            </a:r>
+            <a:r>
+              <a:rPr lang="pt-BR" dirty="0" smtClean="0"/>
+              <a:t> e Google</a:t>
+            </a:r>
+          </a:p>
+          <a:p>
+            <a:pPr>
+              <a:buFont typeface="Wingdings" panose="05000000000000000000" pitchFamily="2" charset="2"/>
+              <a:buChar char="§"/>
+            </a:pPr>
+            <a:r>
+              <a:rPr lang="pt-BR" dirty="0" smtClean="0"/>
+              <a:t>Acionar </a:t>
+            </a:r>
+            <a:r>
+              <a:rPr lang="pt-BR" dirty="0" smtClean="0"/>
+              <a:t>garçom</a:t>
+            </a:r>
+          </a:p>
+          <a:p>
+            <a:pPr>
+              <a:buFont typeface="Wingdings" panose="05000000000000000000" pitchFamily="2" charset="2"/>
+              <a:buChar char="§"/>
+            </a:pPr>
+            <a:r>
+              <a:rPr lang="pt-BR" dirty="0" smtClean="0"/>
+              <a:t>Avaliar atendimento</a:t>
+            </a:r>
+          </a:p>
+          <a:p>
+            <a:pPr>
+              <a:buFont typeface="Wingdings" panose="05000000000000000000" pitchFamily="2" charset="2"/>
+              <a:buChar char="§"/>
+            </a:pPr>
+            <a:r>
+              <a:rPr lang="pt-BR" dirty="0" smtClean="0"/>
+              <a:t>Harmonização entre produtos</a:t>
+            </a:r>
+          </a:p>
+          <a:p>
+            <a:pPr>
+              <a:buFont typeface="Wingdings" panose="05000000000000000000" pitchFamily="2" charset="2"/>
+              <a:buChar char="§"/>
+            </a:pPr>
+            <a:endParaRPr lang="pt-BR" b="1" dirty="0"/>
+          </a:p>
+        </p:txBody>
+      </p:sp>
+      <p:sp>
+        <p:nvSpPr>
+          <p:cNvPr id="2" name="Espaço Reservado para Número de Slide 1"/>
+          <p:cNvSpPr>
+            <a:spLocks noGrp="1"/>
+          </p:cNvSpPr>
+          <p:nvPr>
+            <p:ph type="sldNum" sz="quarter" idx="12"/>
+          </p:nvPr>
+        </p:nvSpPr>
+        <p:spPr/>
+        <p:txBody>
+          <a:bodyPr/>
+          <a:lstStyle/>
+          <a:p>
+            <a:fld id="{87A781BF-89C7-476E-8532-501EF5108625}" type="slidenum">
+              <a:rPr lang="pt-BR" smtClean="0"/>
+              <a:t>20</a:t>
+            </a:fld>
+            <a:endParaRPr lang="pt-BR"/>
+          </a:p>
+        </p:txBody>
+      </p:sp>
+      <p:pic>
+        <p:nvPicPr>
+          <p:cNvPr id="8" name="Imagem 7"/>
+          <p:cNvPicPr>
+            <a:picLocks noChangeAspect="1"/>
+          </p:cNvPicPr>
+          <p:nvPr/>
+        </p:nvPicPr>
+        <p:blipFill>
+          <a:blip r:embed="rId2">
+            <a:extLst>
+              <a:ext uri="{28A0092B-C50C-407E-A947-70E740481C1C}">
+                <a14:useLocalDpi xmlns:a14="http://schemas.microsoft.com/office/drawing/2010/main" val="0"/>
+              </a:ext>
+            </a:extLst>
+          </a:blip>
+          <a:stretch>
+            <a:fillRect/>
+          </a:stretch>
+        </p:blipFill>
+        <p:spPr>
+          <a:xfrm>
+            <a:off x="0" y="0"/>
+            <a:ext cx="4067175" cy="1123950"/>
+          </a:xfrm>
+          <a:prstGeom prst="rect">
+            <a:avLst/>
+          </a:prstGeom>
+        </p:spPr>
+      </p:pic>
+      <p:pic>
+        <p:nvPicPr>
+          <p:cNvPr id="9" name="Imagem 8"/>
+          <p:cNvPicPr>
+            <a:picLocks noChangeAspect="1"/>
+          </p:cNvPicPr>
+          <p:nvPr/>
+        </p:nvPicPr>
+        <p:blipFill>
+          <a:blip r:embed="rId3">
+            <a:extLst>
+              <a:ext uri="{28A0092B-C50C-407E-A947-70E740481C1C}">
+                <a14:useLocalDpi xmlns:a14="http://schemas.microsoft.com/office/drawing/2010/main" val="0"/>
+              </a:ext>
+            </a:extLst>
+          </a:blip>
+          <a:stretch>
+            <a:fillRect/>
+          </a:stretch>
+        </p:blipFill>
+        <p:spPr>
+          <a:xfrm>
+            <a:off x="0" y="4678000"/>
+            <a:ext cx="3790780" cy="1649057"/>
+          </a:xfrm>
+          <a:prstGeom prst="rect">
+            <a:avLst/>
+          </a:prstGeom>
+        </p:spPr>
+      </p:pic>
+    </p:spTree>
+    <p:extLst>
+      <p:ext uri="{BB962C8B-B14F-4D97-AF65-F5344CB8AC3E}">
+        <p14:creationId xmlns:p14="http://schemas.microsoft.com/office/powerpoint/2010/main" val="1531455708"/>
+      </p:ext>
+    </p:extLst>
+  </p:cSld>
+  <p:clrMapOvr>
+    <a:masterClrMapping/>
+  </p:clrMapOvr>
+  <p:timing>
+    <p:tnLst>
+      <p:par>
+        <p:cTn id="1" dur="indefinite" restart="never" nodeType="tmRoot"/>
+      </p:par>
+    </p:tnLst>
+  </p:timing>
+</p:sld>
+</file>
+
+<file path=ppt/slides/slide21.xml><?xml version="1.0" encoding="utf-8"?>
+<p:sld xmlns:a="http://schemas.openxmlformats.org/drawingml/2006/main" xmlns:r="http://schemas.openxmlformats.org/officeDocument/2006/relationships" xmlns:p="http://schemas.openxmlformats.org/presentationml/2006/main">
+  <p:cSld>
+    <p:spTree>
+      <p:nvGrpSpPr>
+        <p:cNvPr id="1" name=""/>
+        <p:cNvGrpSpPr/>
+        <p:nvPr/>
+      </p:nvGrpSpPr>
+      <p:grpSpPr>
+        <a:xfrm>
+          <a:off x="0" y="0"/>
+          <a:ext cx="0" cy="0"/>
+          <a:chOff x="0" y="0"/>
+          <a:chExt cx="0" cy="0"/>
+        </a:xfrm>
+      </p:grpSpPr>
+      <p:sp>
+        <p:nvSpPr>
+          <p:cNvPr id="3" name="Título 2"/>
+          <p:cNvSpPr>
+            <a:spLocks noGrp="1"/>
+          </p:cNvSpPr>
+          <p:nvPr>
+            <p:ph type="title"/>
+          </p:nvPr>
+        </p:nvSpPr>
+        <p:spPr>
+          <a:xfrm>
+            <a:off x="1097279" y="286603"/>
+            <a:ext cx="10115203" cy="837347"/>
+          </a:xfrm>
+        </p:spPr>
+        <p:txBody>
+          <a:bodyPr/>
+          <a:lstStyle/>
+          <a:p>
+            <a:pPr algn="r"/>
+            <a:r>
+              <a:rPr lang="pt-BR" u="sng" dirty="0" smtClean="0">
+                <a:solidFill>
+                  <a:schemeClr val="accent1"/>
+                </a:solidFill>
+              </a:rPr>
+              <a:t>MASTERMENU</a:t>
+            </a:r>
+            <a:endParaRPr lang="pt-BR" u="sng" dirty="0">
+              <a:solidFill>
+                <a:schemeClr val="accent1"/>
+              </a:solidFill>
+            </a:endParaRPr>
+          </a:p>
+        </p:txBody>
+      </p:sp>
+      <p:sp>
+        <p:nvSpPr>
+          <p:cNvPr id="4" name="Espaço Reservado para Conteúdo 3"/>
+          <p:cNvSpPr>
+            <a:spLocks noGrp="1"/>
+          </p:cNvSpPr>
+          <p:nvPr>
+            <p:ph idx="1"/>
+          </p:nvPr>
+        </p:nvSpPr>
+        <p:spPr/>
+        <p:txBody>
+          <a:bodyPr/>
+          <a:lstStyle/>
+          <a:p>
+            <a:pPr algn="ctr"/>
+            <a:r>
+              <a:rPr lang="pt-BR" sz="2400" b="1" u="sng" dirty="0" smtClean="0"/>
+              <a:t>CONCLUSÃO</a:t>
+            </a:r>
+          </a:p>
+          <a:p>
+            <a:pPr algn="just"/>
+            <a:r>
+              <a:rPr lang="pt-BR" sz="2400" dirty="0"/>
+              <a:t>O conhecimento adquirido no decorrer do curso foi posto em prática neste trabalho. </a:t>
+            </a:r>
+            <a:r>
+              <a:rPr lang="pt-BR" sz="2400" dirty="0" smtClean="0"/>
+              <a:t>Apesar de encontrar dificuldades ao longo do trabalho, o objetivo de implementar um sistema de autoatendimento para consumidores de bares e restaurante, onde o cliente poderá personalizar, solicitar, acompanhar pedidos e reservar uma mesa, foi atingido.</a:t>
+            </a:r>
+            <a:r>
+              <a:rPr lang="pt-BR" dirty="0" smtClean="0"/>
+              <a:t> </a:t>
+            </a:r>
+            <a:endParaRPr lang="pt-BR" dirty="0"/>
+          </a:p>
+        </p:txBody>
+      </p:sp>
+      <p:sp>
+        <p:nvSpPr>
+          <p:cNvPr id="2" name="Espaço Reservado para Número de Slide 1"/>
+          <p:cNvSpPr>
+            <a:spLocks noGrp="1"/>
+          </p:cNvSpPr>
+          <p:nvPr>
+            <p:ph type="sldNum" sz="quarter" idx="12"/>
+          </p:nvPr>
+        </p:nvSpPr>
+        <p:spPr/>
+        <p:txBody>
+          <a:bodyPr/>
+          <a:lstStyle/>
+          <a:p>
+            <a:fld id="{87A781BF-89C7-476E-8532-501EF5108625}" type="slidenum">
+              <a:rPr lang="pt-BR" smtClean="0"/>
+              <a:t>21</a:t>
+            </a:fld>
+            <a:endParaRPr lang="pt-BR"/>
+          </a:p>
+        </p:txBody>
+      </p:sp>
+      <p:pic>
+        <p:nvPicPr>
+          <p:cNvPr id="8" name="Imagem 7"/>
+          <p:cNvPicPr>
+            <a:picLocks noChangeAspect="1"/>
+          </p:cNvPicPr>
+          <p:nvPr/>
+        </p:nvPicPr>
+        <p:blipFill>
+          <a:blip r:embed="rId2">
+            <a:extLst>
+              <a:ext uri="{28A0092B-C50C-407E-A947-70E740481C1C}">
+                <a14:useLocalDpi xmlns:a14="http://schemas.microsoft.com/office/drawing/2010/main" val="0"/>
+              </a:ext>
+            </a:extLst>
+          </a:blip>
+          <a:stretch>
+            <a:fillRect/>
+          </a:stretch>
+        </p:blipFill>
+        <p:spPr>
+          <a:xfrm>
+            <a:off x="0" y="0"/>
+            <a:ext cx="4067175" cy="1123950"/>
+          </a:xfrm>
+          <a:prstGeom prst="rect">
+            <a:avLst/>
+          </a:prstGeom>
+        </p:spPr>
+      </p:pic>
+      <p:pic>
+        <p:nvPicPr>
+          <p:cNvPr id="9" name="Imagem 8"/>
+          <p:cNvPicPr>
+            <a:picLocks noChangeAspect="1"/>
+          </p:cNvPicPr>
+          <p:nvPr/>
+        </p:nvPicPr>
+        <p:blipFill>
+          <a:blip r:embed="rId3">
+            <a:extLst>
+              <a:ext uri="{28A0092B-C50C-407E-A947-70E740481C1C}">
+                <a14:useLocalDpi xmlns:a14="http://schemas.microsoft.com/office/drawing/2010/main" val="0"/>
+              </a:ext>
+            </a:extLst>
+          </a:blip>
+          <a:stretch>
+            <a:fillRect/>
+          </a:stretch>
+        </p:blipFill>
+        <p:spPr>
+          <a:xfrm>
+            <a:off x="0" y="4678000"/>
+            <a:ext cx="3790780" cy="1649057"/>
+          </a:xfrm>
+          <a:prstGeom prst="rect">
+            <a:avLst/>
+          </a:prstGeom>
+        </p:spPr>
+      </p:pic>
+    </p:spTree>
+    <p:extLst>
+      <p:ext uri="{BB962C8B-B14F-4D97-AF65-F5344CB8AC3E}">
+        <p14:creationId xmlns:p14="http://schemas.microsoft.com/office/powerpoint/2010/main" val="943193265"/>
+      </p:ext>
+    </p:extLst>
+  </p:cSld>
+  <p:clrMapOvr>
+    <a:masterClrMapping/>
+  </p:clrMapOvr>
+  <p:timing>
+    <p:tnLst>
+      <p:par>
+        <p:cTn id="1" dur="indefinite" restart="never" nodeType="tmRoot"/>
+      </p:par>
+    </p:tnLst>
+  </p:timing>
+</p:sld>
+</file>
+
+<file path=ppt/slides/slide22.xml><?xml version="1.0" encoding="utf-8"?>
+<p:sld xmlns:a="http://schemas.openxmlformats.org/drawingml/2006/main" xmlns:r="http://schemas.openxmlformats.org/officeDocument/2006/relationships" xmlns:p="http://schemas.openxmlformats.org/presentationml/2006/main">
+  <p:cSld>
+    <p:spTree>
+      <p:nvGrpSpPr>
+        <p:cNvPr id="1" name=""/>
+        <p:cNvGrpSpPr/>
+        <p:nvPr/>
+      </p:nvGrpSpPr>
+      <p:grpSpPr>
+        <a:xfrm>
+          <a:off x="0" y="0"/>
+          <a:ext cx="0" cy="0"/>
+          <a:chOff x="0" y="0"/>
+          <a:chExt cx="0" cy="0"/>
+        </a:xfrm>
+      </p:grpSpPr>
+      <p:sp>
+        <p:nvSpPr>
+          <p:cNvPr id="12" name="Título 11"/>
+          <p:cNvSpPr>
+            <a:spLocks noGrp="1"/>
+          </p:cNvSpPr>
+          <p:nvPr>
+            <p:ph type="title"/>
+          </p:nvPr>
+        </p:nvSpPr>
+        <p:spPr>
+          <a:xfrm>
+            <a:off x="1097280" y="1737359"/>
+            <a:ext cx="10058400" cy="2411559"/>
+          </a:xfrm>
+        </p:spPr>
+        <p:txBody>
+          <a:bodyPr>
+            <a:normAutofit fontScale="90000"/>
+          </a:bodyPr>
+          <a:lstStyle/>
+          <a:p>
+            <a:pPr algn="ctr"/>
+            <a:r>
+              <a:rPr lang="pt-BR" dirty="0" smtClean="0"/>
+              <a:t>DEFESA TRABALHO CONCLUSÃO DE CURSO</a:t>
+            </a:r>
+            <a:br>
+              <a:rPr lang="pt-BR" dirty="0" smtClean="0"/>
+            </a:br>
+            <a:r>
+              <a:rPr lang="pt-BR" sz="4300" dirty="0" smtClean="0"/>
+              <a:t/>
+            </a:r>
+            <a:br>
+              <a:rPr lang="pt-BR" sz="4300" dirty="0" smtClean="0"/>
+            </a:br>
+            <a:r>
+              <a:rPr lang="pt-BR" sz="4300" dirty="0" smtClean="0"/>
+              <a:t>Matheus Tabares – ADS 2014/1</a:t>
+            </a:r>
+            <a:br>
+              <a:rPr lang="pt-BR" sz="4300" dirty="0" smtClean="0"/>
+            </a:br>
+            <a:r>
+              <a:rPr lang="pt-BR" sz="4300" dirty="0" smtClean="0"/>
+              <a:t>Orientador prof. Rafael Esteves</a:t>
+            </a:r>
+            <a:endParaRPr lang="pt-BR" sz="4300" dirty="0"/>
+          </a:p>
+        </p:txBody>
+      </p:sp>
+      <p:pic>
+        <p:nvPicPr>
+          <p:cNvPr id="8" name="Imagem 7"/>
+          <p:cNvPicPr>
+            <a:picLocks noChangeAspect="1"/>
+          </p:cNvPicPr>
+          <p:nvPr/>
+        </p:nvPicPr>
+        <p:blipFill>
+          <a:blip r:embed="rId2">
+            <a:extLst>
+              <a:ext uri="{28A0092B-C50C-407E-A947-70E740481C1C}">
+                <a14:useLocalDpi xmlns:a14="http://schemas.microsoft.com/office/drawing/2010/main" val="0"/>
+              </a:ext>
+            </a:extLst>
+          </a:blip>
+          <a:stretch>
+            <a:fillRect/>
+          </a:stretch>
+        </p:blipFill>
+        <p:spPr>
+          <a:xfrm>
+            <a:off x="0" y="0"/>
+            <a:ext cx="4067175" cy="1123950"/>
+          </a:xfrm>
+          <a:prstGeom prst="rect">
+            <a:avLst/>
+          </a:prstGeom>
+        </p:spPr>
+      </p:pic>
+      <p:pic>
+        <p:nvPicPr>
+          <p:cNvPr id="9" name="Imagem 8"/>
+          <p:cNvPicPr>
+            <a:picLocks noChangeAspect="1"/>
+          </p:cNvPicPr>
+          <p:nvPr/>
+        </p:nvPicPr>
+        <p:blipFill>
+          <a:blip r:embed="rId3">
+            <a:extLst>
+              <a:ext uri="{28A0092B-C50C-407E-A947-70E740481C1C}">
+                <a14:useLocalDpi xmlns:a14="http://schemas.microsoft.com/office/drawing/2010/main" val="0"/>
+              </a:ext>
+            </a:extLst>
+          </a:blip>
+          <a:stretch>
+            <a:fillRect/>
+          </a:stretch>
+        </p:blipFill>
+        <p:spPr>
+          <a:xfrm>
+            <a:off x="0" y="4678000"/>
+            <a:ext cx="3790780" cy="1649057"/>
+          </a:xfrm>
+          <a:prstGeom prst="rect">
+            <a:avLst/>
+          </a:prstGeom>
+        </p:spPr>
+      </p:pic>
+      <p:sp>
+        <p:nvSpPr>
+          <p:cNvPr id="13" name="Espaço Reservado para Número de Slide 12"/>
+          <p:cNvSpPr>
+            <a:spLocks noGrp="1"/>
+          </p:cNvSpPr>
+          <p:nvPr>
+            <p:ph type="sldNum" sz="quarter" idx="12"/>
+          </p:nvPr>
+        </p:nvSpPr>
+        <p:spPr/>
+        <p:txBody>
+          <a:bodyPr/>
+          <a:lstStyle/>
+          <a:p>
+            <a:fld id="{87A781BF-89C7-476E-8532-501EF5108625}" type="slidenum">
+              <a:rPr lang="pt-BR" smtClean="0"/>
+              <a:t>22</a:t>
+            </a:fld>
+            <a:endParaRPr lang="pt-BR"/>
+          </a:p>
+        </p:txBody>
+      </p:sp>
+    </p:spTree>
+    <p:extLst>
+      <p:ext uri="{BB962C8B-B14F-4D97-AF65-F5344CB8AC3E}">
+        <p14:creationId xmlns:p14="http://schemas.microsoft.com/office/powerpoint/2010/main" val="58917549"/>
+      </p:ext>
+    </p:extLst>
+  </p:cSld>
+  <p:clrMapOvr>
+    <a:masterClrMapping/>
+  </p:clrMapOvr>
+  <p:timing>
+    <p:tnLst>
+      <p:par>
+        <p:cTn id="1" dur="indefinite" restart="never" nodeType="tmRoot"/>
+      </p:par>
+    </p:tnLst>
+  </p:timing>
+</p:sld>
+</file>
+
+<file path=ppt/slides/slide23.xml><?xml version="1.0" encoding="utf-8"?>
+<p:sld xmlns:a="http://schemas.openxmlformats.org/drawingml/2006/main" xmlns:r="http://schemas.openxmlformats.org/officeDocument/2006/relationships" xmlns:p="http://schemas.openxmlformats.org/presentationml/2006/main">
+  <p:cSld>
+    <p:spTree>
+      <p:nvGrpSpPr>
+        <p:cNvPr id="1" name=""/>
+        <p:cNvGrpSpPr/>
+        <p:nvPr/>
+      </p:nvGrpSpPr>
+      <p:grpSpPr>
+        <a:xfrm>
+          <a:off x="0" y="0"/>
+          <a:ext cx="0" cy="0"/>
+          <a:chOff x="0" y="0"/>
+          <a:chExt cx="0" cy="0"/>
+        </a:xfrm>
+      </p:grpSpPr>
+      <p:sp>
+        <p:nvSpPr>
+          <p:cNvPr id="3" name="Título 2"/>
+          <p:cNvSpPr>
+            <a:spLocks noGrp="1"/>
+          </p:cNvSpPr>
+          <p:nvPr>
+            <p:ph type="title"/>
+          </p:nvPr>
+        </p:nvSpPr>
+        <p:spPr>
+          <a:xfrm>
+            <a:off x="1097279" y="286603"/>
+            <a:ext cx="10115203" cy="837347"/>
+          </a:xfrm>
+        </p:spPr>
+        <p:txBody>
+          <a:bodyPr/>
+          <a:lstStyle/>
+          <a:p>
+            <a:pPr algn="r"/>
+            <a:endParaRPr lang="pt-BR" u="sng" dirty="0">
+              <a:solidFill>
+                <a:schemeClr val="accent1"/>
+              </a:solidFill>
+            </a:endParaRPr>
+          </a:p>
+        </p:txBody>
+      </p:sp>
+      <p:sp>
+        <p:nvSpPr>
+          <p:cNvPr id="4" name="Espaço Reservado para Conteúdo 3"/>
+          <p:cNvSpPr>
+            <a:spLocks noGrp="1"/>
+          </p:cNvSpPr>
+          <p:nvPr>
+            <p:ph idx="1"/>
+          </p:nvPr>
+        </p:nvSpPr>
+        <p:spPr/>
+        <p:txBody>
+          <a:bodyPr/>
+          <a:lstStyle/>
+          <a:p>
+            <a:pPr algn="ctr"/>
+            <a:endParaRPr lang="pt-BR" sz="2400" b="1" u="sng" dirty="0" smtClean="0"/>
+          </a:p>
+          <a:p>
+            <a:pPr algn="ctr"/>
+            <a:r>
+              <a:rPr lang="pt-BR" sz="2400" b="1" u="sng" dirty="0" smtClean="0"/>
+              <a:t>OBRIGADO</a:t>
+            </a:r>
+            <a:endParaRPr lang="pt-BR" sz="2400" b="1" u="sng" dirty="0"/>
+          </a:p>
+          <a:p>
+            <a:pPr algn="ctr"/>
+            <a:r>
+              <a:rPr lang="pt-BR" sz="6000" b="1" dirty="0" smtClean="0"/>
+              <a:t>FIM!</a:t>
+            </a:r>
+            <a:endParaRPr lang="pt-BR" sz="6000" dirty="0"/>
+          </a:p>
+        </p:txBody>
+      </p:sp>
+      <p:sp>
+        <p:nvSpPr>
+          <p:cNvPr id="2" name="Espaço Reservado para Número de Slide 1"/>
+          <p:cNvSpPr>
+            <a:spLocks noGrp="1"/>
+          </p:cNvSpPr>
+          <p:nvPr>
+            <p:ph type="sldNum" sz="quarter" idx="12"/>
+          </p:nvPr>
+        </p:nvSpPr>
+        <p:spPr/>
+        <p:txBody>
+          <a:bodyPr/>
+          <a:lstStyle/>
+          <a:p>
+            <a:fld id="{87A781BF-89C7-476E-8532-501EF5108625}" type="slidenum">
+              <a:rPr lang="pt-BR" smtClean="0"/>
+              <a:t>23</a:t>
+            </a:fld>
+            <a:endParaRPr lang="pt-BR"/>
+          </a:p>
+        </p:txBody>
+      </p:sp>
+      <p:pic>
+        <p:nvPicPr>
+          <p:cNvPr id="8" name="Imagem 7"/>
+          <p:cNvPicPr>
+            <a:picLocks noChangeAspect="1"/>
+          </p:cNvPicPr>
+          <p:nvPr/>
+        </p:nvPicPr>
+        <p:blipFill>
+          <a:blip r:embed="rId2">
+            <a:extLst>
+              <a:ext uri="{28A0092B-C50C-407E-A947-70E740481C1C}">
+                <a14:useLocalDpi xmlns:a14="http://schemas.microsoft.com/office/drawing/2010/main" val="0"/>
+              </a:ext>
+            </a:extLst>
+          </a:blip>
+          <a:stretch>
+            <a:fillRect/>
+          </a:stretch>
+        </p:blipFill>
+        <p:spPr>
+          <a:xfrm>
+            <a:off x="0" y="0"/>
+            <a:ext cx="4067175" cy="1123950"/>
+          </a:xfrm>
+          <a:prstGeom prst="rect">
+            <a:avLst/>
+          </a:prstGeom>
+        </p:spPr>
+      </p:pic>
+      <p:pic>
+        <p:nvPicPr>
+          <p:cNvPr id="9" name="Imagem 8"/>
+          <p:cNvPicPr>
+            <a:picLocks noChangeAspect="1"/>
+          </p:cNvPicPr>
+          <p:nvPr/>
+        </p:nvPicPr>
+        <p:blipFill>
+          <a:blip r:embed="rId3">
+            <a:extLst>
+              <a:ext uri="{28A0092B-C50C-407E-A947-70E740481C1C}">
+                <a14:useLocalDpi xmlns:a14="http://schemas.microsoft.com/office/drawing/2010/main" val="0"/>
+              </a:ext>
+            </a:extLst>
+          </a:blip>
+          <a:stretch>
+            <a:fillRect/>
+          </a:stretch>
+        </p:blipFill>
+        <p:spPr>
+          <a:xfrm>
+            <a:off x="0" y="4678000"/>
+            <a:ext cx="3790780" cy="1649057"/>
+          </a:xfrm>
+          <a:prstGeom prst="rect">
+            <a:avLst/>
+          </a:prstGeom>
+        </p:spPr>
+      </p:pic>
+    </p:spTree>
+    <p:extLst>
+      <p:ext uri="{BB962C8B-B14F-4D97-AF65-F5344CB8AC3E}">
+        <p14:creationId xmlns:p14="http://schemas.microsoft.com/office/powerpoint/2010/main" val="3824393602"/>
       </p:ext>
     </p:extLst>
   </p:cSld>
@@ -6735,7 +8853,7 @@
             <a:pPr algn="ctr"/>
             <a:r>
               <a:rPr lang="pt-BR" dirty="0" smtClean="0"/>
-              <a:t>ORIGEM</a:t>
+              <a:t>IDEIA </a:t>
             </a:r>
           </a:p>
           <a:p>
@@ -6745,7 +8863,7 @@
             </a:pPr>
             <a:r>
               <a:rPr lang="pt-BR" dirty="0" smtClean="0"/>
-              <a:t>Disciplina Desenvolvimento II 5º Semestre</a:t>
+              <a:t>Sistema gerenciador de pedidos.</a:t>
             </a:r>
           </a:p>
           <a:p>
@@ -6755,7 +8873,19 @@
             </a:pPr>
             <a:r>
               <a:rPr lang="pt-BR" dirty="0" smtClean="0"/>
-              <a:t>Votação entre os integrantes do grupo</a:t>
+              <a:t>Consumidor poderá basicamente </a:t>
+            </a:r>
+            <a:r>
+              <a:rPr lang="pt-BR" b="1" dirty="0" smtClean="0"/>
+              <a:t>personalizar, solicitar, acompanhar pedidos </a:t>
+            </a:r>
+            <a:r>
+              <a:rPr lang="pt-BR" dirty="0" smtClean="0"/>
+              <a:t>e</a:t>
+            </a:r>
+            <a:r>
+              <a:rPr lang="pt-BR" b="1" dirty="0" smtClean="0"/>
+              <a:t> reservar mesa</a:t>
             </a:r>
           </a:p>
           <a:p>
@@ -6765,21 +8895,18 @@
             </a:pPr>
             <a:r>
               <a:rPr lang="pt-BR" dirty="0" smtClean="0"/>
-              <a:t>Listados 8 possíveis sistemas</a:t>
-            </a:r>
-          </a:p>
-          <a:p>
-            <a:pPr marL="0" indent="0">
-              <a:buNone/>
-            </a:pPr>
-            <a:endParaRPr lang="pt-BR" dirty="0" smtClean="0"/>
+              <a:t>Independência de funcionário para solicitar pedido</a:t>
+            </a:r>
           </a:p>
           <a:p>
             <a:pPr>
               <a:buFont typeface="Wingdings" panose="05000000000000000000" pitchFamily="2" charset="2"/>
               <a:buChar char="§"/>
             </a:pPr>
-            <a:endParaRPr lang="pt-BR" dirty="0"/>
+            <a:r>
+              <a:rPr lang="pt-BR" dirty="0" smtClean="0"/>
+              <a:t>Única plataforma </a:t>
+            </a:r>
           </a:p>
         </p:txBody>
       </p:sp>
@@ -6869,7 +8996,7 @@
     </p:spTree>
     <p:extLst>
       <p:ext uri="{BB962C8B-B14F-4D97-AF65-F5344CB8AC3E}">
-        <p14:creationId xmlns:p14="http://schemas.microsoft.com/office/powerpoint/2010/main" val="282015459"/>
+        <p14:creationId xmlns:p14="http://schemas.microsoft.com/office/powerpoint/2010/main" val="750008121"/>
       </p:ext>
     </p:extLst>
   </p:cSld>
@@ -6925,7 +9052,7 @@
           <a:p>
             <a:pPr algn="r"/>
             <a:r>
-              <a:rPr lang="pt-BR" u="sng" dirty="0">
+              <a:rPr lang="pt-BR" u="sng" dirty="0" smtClean="0">
                 <a:solidFill>
                   <a:schemeClr val="accent1"/>
                 </a:solidFill>
@@ -6933,7 +9060,7 @@
               <a:t>MASTERMENU</a:t>
             </a:r>
             <a:r>
-              <a:rPr lang="pt-BR" dirty="0">
+              <a:rPr lang="pt-BR" dirty="0" smtClean="0">
                 <a:solidFill>
                   <a:schemeClr val="accent1"/>
                 </a:solidFill>
@@ -6941,14 +9068,14 @@
               <a:t>/</a:t>
             </a:r>
             <a:r>
-              <a:rPr lang="pt-BR" dirty="0">
+              <a:rPr lang="pt-BR" dirty="0" smtClean="0">
                 <a:solidFill>
                   <a:schemeClr val="tx2"/>
                 </a:solidFill>
               </a:rPr>
-              <a:t>Sistema</a:t>
-            </a:r>
-            <a:endParaRPr lang="pt-BR" u="sng" dirty="0">
+              <a:t>Mercado</a:t>
+            </a:r>
+            <a:endParaRPr lang="pt-BR" dirty="0">
               <a:solidFill>
                 <a:schemeClr val="tx2"/>
               </a:solidFill>
@@ -6974,7 +9101,7 @@
             <a:pPr algn="ctr"/>
             <a:r>
               <a:rPr lang="pt-BR" dirty="0" smtClean="0"/>
-              <a:t>IDEIA </a:t>
+              <a:t>DADOS ABRASEL</a:t>
             </a:r>
           </a:p>
           <a:p>
@@ -6984,7 +9111,7 @@
             </a:pPr>
             <a:r>
               <a:rPr lang="pt-BR" dirty="0" smtClean="0"/>
-              <a:t>Sistema gerenciador de pedidos.</a:t>
+              <a:t>Associação Brasileira de Bares e Restaurantes</a:t>
             </a:r>
           </a:p>
           <a:p>
@@ -6994,7 +9121,7 @@
             </a:pPr>
             <a:r>
               <a:rPr lang="pt-BR" dirty="0" smtClean="0"/>
-              <a:t>Consumidor poderá basicamente personalizar, solicitar, acompanhar pedidos e reservar mesa</a:t>
+              <a:t>Redução de 30% do movimento em 2016</a:t>
             </a:r>
           </a:p>
           <a:p>
@@ -7004,7 +9131,7 @@
             </a:pPr>
             <a:r>
               <a:rPr lang="pt-BR" dirty="0" smtClean="0"/>
-              <a:t>Independência de funcionário para solicitar pedido</a:t>
+              <a:t>Redução do Ticket médio</a:t>
             </a:r>
           </a:p>
           <a:p>
@@ -7014,8 +9141,38 @@
             </a:pPr>
             <a:r>
               <a:rPr lang="pt-BR" dirty="0" smtClean="0"/>
-              <a:t>Única plataforma </a:t>
-            </a:r>
+              <a:t>1/3 dos estabelecimentos afirmam operar no prejuízo</a:t>
+            </a:r>
+          </a:p>
+          <a:p>
+            <a:pPr marL="0" indent="0">
+              <a:buNone/>
+            </a:pPr>
+            <a:r>
+              <a:rPr lang="pt-BR" dirty="0" smtClean="0"/>
+              <a:t>FATORES DETERMINANTES:</a:t>
+            </a:r>
+          </a:p>
+          <a:p>
+            <a:pPr lvl="1">
+              <a:buFont typeface="Wingdings" panose="05000000000000000000" pitchFamily="2" charset="2"/>
+              <a:buChar char="§"/>
+            </a:pPr>
+            <a:r>
+              <a:rPr lang="pt-BR" dirty="0" smtClean="0"/>
+              <a:t>Falta de Recursos Humanos</a:t>
+            </a:r>
+          </a:p>
+          <a:p>
+            <a:pPr lvl="1">
+              <a:buFont typeface="Wingdings" panose="05000000000000000000" pitchFamily="2" charset="2"/>
+              <a:buChar char="§"/>
+            </a:pPr>
+            <a:r>
+              <a:rPr lang="pt-BR" dirty="0" smtClean="0"/>
+              <a:t>Ausência de tecnologia</a:t>
+            </a:r>
+            <a:endParaRPr lang="pt-BR" dirty="0"/>
           </a:p>
         </p:txBody>
       </p:sp>
@@ -7105,7 +9262,7 @@
     </p:spTree>
     <p:extLst>
       <p:ext uri="{BB962C8B-B14F-4D97-AF65-F5344CB8AC3E}">
-        <p14:creationId xmlns:p14="http://schemas.microsoft.com/office/powerpoint/2010/main" val="750008121"/>
+        <p14:creationId xmlns:p14="http://schemas.microsoft.com/office/powerpoint/2010/main" val="1902535875"/>
       </p:ext>
     </p:extLst>
   </p:cSld>
@@ -7171,18 +9328,10 @@
             <a:r>
               <a:rPr lang="pt-BR" dirty="0" smtClean="0">
                 <a:solidFill>
-                  <a:schemeClr val="accent1"/>
-                </a:solidFill>
-              </a:rPr>
-              <a:t>/</a:t>
-            </a:r>
-            <a:r>
-              <a:rPr lang="pt-BR" dirty="0" smtClean="0">
-                <a:solidFill>
                   <a:schemeClr val="tx2"/>
                 </a:solidFill>
               </a:rPr>
-              <a:t>Mercado</a:t>
+              <a:t>/Mercado</a:t>
             </a:r>
             <a:endParaRPr lang="pt-BR" dirty="0">
               <a:solidFill>
@@ -7204,84 +9353,25 @@
         </p:nvSpPr>
         <p:spPr/>
         <p:txBody>
-          <a:bodyPr/>
+          <a:bodyPr>
+            <a:normAutofit/>
+          </a:bodyPr>
           <a:lstStyle/>
           <a:p>
             <a:pPr algn="ctr"/>
-            <a:r>
-              <a:rPr lang="pt-BR" dirty="0" smtClean="0"/>
-              <a:t>DADOS ABRASEL</a:t>
-            </a:r>
-          </a:p>
-          <a:p>
-            <a:pPr>
-              <a:buFont typeface="Wingdings" panose="05000000000000000000" pitchFamily="2" charset="2"/>
-              <a:buChar char="§"/>
-            </a:pPr>
-            <a:r>
-              <a:rPr lang="pt-BR" dirty="0" smtClean="0"/>
-              <a:t>Associação Brasileira de Bares e Restaurantes</a:t>
-            </a:r>
-          </a:p>
-          <a:p>
-            <a:pPr>
-              <a:buFont typeface="Wingdings" panose="05000000000000000000" pitchFamily="2" charset="2"/>
-              <a:buChar char="§"/>
-            </a:pPr>
-            <a:r>
-              <a:rPr lang="pt-BR" dirty="0" smtClean="0"/>
-              <a:t>Redução de 30% do movimento em 2016</a:t>
-            </a:r>
-          </a:p>
-          <a:p>
-            <a:pPr>
-              <a:buFont typeface="Wingdings" panose="05000000000000000000" pitchFamily="2" charset="2"/>
-              <a:buChar char="§"/>
-            </a:pPr>
-            <a:r>
-              <a:rPr lang="pt-BR" dirty="0" smtClean="0"/>
-              <a:t>Redução do Ticket médio</a:t>
-            </a:r>
-          </a:p>
-          <a:p>
-            <a:pPr>
-              <a:buFont typeface="Wingdings" panose="05000000000000000000" pitchFamily="2" charset="2"/>
-              <a:buChar char="§"/>
-            </a:pPr>
-            <a:r>
-              <a:rPr lang="pt-BR" dirty="0" smtClean="0"/>
-              <a:t>1/3 dos estabelecimentos afirmam operar no prejuízo</a:t>
-            </a:r>
-          </a:p>
-          <a:p>
-            <a:pPr marL="0" indent="0">
-              <a:buNone/>
-            </a:pPr>
-            <a:r>
-              <a:rPr lang="pt-BR" dirty="0" smtClean="0"/>
-              <a:t>FATORES DETERMINANTES:</a:t>
-            </a:r>
-          </a:p>
-          <a:p>
-            <a:pPr lvl="1">
-              <a:buFont typeface="Wingdings" panose="05000000000000000000" pitchFamily="2" charset="2"/>
-              <a:buChar char="§"/>
-            </a:pPr>
-            <a:r>
-              <a:rPr lang="pt-BR" dirty="0" smtClean="0"/>
-              <a:t>Falta de Recursos Humanos</a:t>
-            </a:r>
-          </a:p>
-          <a:p>
-            <a:pPr lvl="1">
-              <a:buFont typeface="Wingdings" panose="05000000000000000000" pitchFamily="2" charset="2"/>
-              <a:buChar char="§"/>
-            </a:pPr>
-            <a:r>
-              <a:rPr lang="pt-BR" dirty="0" smtClean="0"/>
-              <a:t>Ausência de tecnologia</a:t>
-            </a:r>
-            <a:endParaRPr lang="pt-BR" dirty="0"/>
+            <a:endParaRPr lang="pt-BR" sz="3200" dirty="0" smtClean="0"/>
+          </a:p>
+          <a:p>
+            <a:pPr algn="ctr"/>
+            <a:r>
+              <a:rPr lang="pt-BR" sz="3200" dirty="0" smtClean="0"/>
+              <a:t>DIRETORA DO SEBRAE DESTACA QUE AINDA É TÍMIDA A PRESENÇA NO COMÉRCIO ELETRÔNICO – </a:t>
+            </a:r>
+            <a:r>
+              <a:rPr lang="pt-BR" sz="3200" b="1" dirty="0" smtClean="0"/>
+              <a:t>APENAS 12% TEM LOJA VIRTUAL.</a:t>
+            </a:r>
+            <a:endParaRPr lang="pt-BR" sz="3200" b="1" dirty="0"/>
           </a:p>
         </p:txBody>
       </p:sp>
@@ -7371,7 +9461,7 @@
     </p:spTree>
     <p:extLst>
       <p:ext uri="{BB962C8B-B14F-4D97-AF65-F5344CB8AC3E}">
-        <p14:creationId xmlns:p14="http://schemas.microsoft.com/office/powerpoint/2010/main" val="1902535875"/>
+        <p14:creationId xmlns:p14="http://schemas.microsoft.com/office/powerpoint/2010/main" val="357897979"/>
       </p:ext>
     </p:extLst>
   </p:cSld>
@@ -7427,7 +9517,7 @@
           <a:p>
             <a:pPr algn="r"/>
             <a:r>
-              <a:rPr lang="pt-BR" u="sng" dirty="0" smtClean="0">
+              <a:rPr lang="pt-BR" u="sng" dirty="0">
                 <a:solidFill>
                   <a:schemeClr val="accent1"/>
                 </a:solidFill>
@@ -7435,16 +9525,16 @@
               <a:t>MASTERMENU</a:t>
             </a:r>
             <a:r>
-              <a:rPr lang="pt-BR" dirty="0" smtClean="0">
+              <a:rPr lang="pt-BR" dirty="0">
                 <a:solidFill>
                   <a:schemeClr val="tx2"/>
                 </a:solidFill>
               </a:rPr>
               <a:t>/Mercado</a:t>
             </a:r>
-            <a:endParaRPr lang="pt-BR" dirty="0">
+            <a:endParaRPr lang="pt-BR" u="sng" dirty="0">
               <a:solidFill>
-                <a:schemeClr val="tx2"/>
+                <a:schemeClr val="accent1"/>
               </a:solidFill>
             </a:endParaRPr>
           </a:p>
@@ -7462,25 +9552,100 @@
         </p:nvSpPr>
         <p:spPr/>
         <p:txBody>
-          <a:bodyPr>
-            <a:normAutofit/>
-          </a:bodyPr>
+          <a:bodyPr/>
           <a:lstStyle/>
           <a:p>
             <a:pPr algn="ctr"/>
-            <a:endParaRPr lang="pt-BR" sz="3200" dirty="0" smtClean="0"/>
-          </a:p>
-          <a:p>
-            <a:pPr algn="ctr"/>
-            <a:r>
-              <a:rPr lang="pt-BR" sz="3200" dirty="0" smtClean="0"/>
-              <a:t>DIRETORA DO SEBRAE DESTACA QUE AINDA É TÍMIDA A PRESENÇA NO COMÉRCIO ELETRÔNICO – </a:t>
-            </a:r>
-            <a:r>
-              <a:rPr lang="pt-BR" sz="3200" b="1" dirty="0" smtClean="0"/>
-              <a:t>APENAS 12% TEM LOJA VIRTUAL.</a:t>
-            </a:r>
-            <a:endParaRPr lang="pt-BR" sz="3200" b="1" dirty="0"/>
+            <a:r>
+              <a:rPr lang="pt-BR" b="1" dirty="0" smtClean="0"/>
+              <a:t>SISTEMAS DISPONÍVEIS</a:t>
+            </a:r>
+          </a:p>
+          <a:p>
+            <a:r>
+              <a:rPr lang="pt-BR" b="1" dirty="0" smtClean="0"/>
+              <a:t>CARDÁPIO DIGITAL CONSUMER</a:t>
+            </a:r>
+          </a:p>
+          <a:p>
+            <a:pPr>
+              <a:buFont typeface="Wingdings" panose="05000000000000000000" pitchFamily="2" charset="2"/>
+              <a:buChar char="§"/>
+            </a:pPr>
+            <a:r>
+              <a:rPr lang="pt-BR" dirty="0" smtClean="0"/>
+              <a:t>Plataforma única</a:t>
+            </a:r>
+          </a:p>
+          <a:p>
+            <a:pPr>
+              <a:buFont typeface="Wingdings" panose="05000000000000000000" pitchFamily="2" charset="2"/>
+              <a:buChar char="§"/>
+            </a:pPr>
+            <a:r>
+              <a:rPr lang="pt-BR" dirty="0" smtClean="0"/>
+              <a:t>Acesso QR-</a:t>
+            </a:r>
+            <a:r>
+              <a:rPr lang="pt-BR" dirty="0" err="1" smtClean="0"/>
+              <a:t>Code</a:t>
+            </a:r>
+            <a:endParaRPr lang="pt-BR" dirty="0" smtClean="0"/>
+          </a:p>
+          <a:p>
+            <a:pPr>
+              <a:buFont typeface="Wingdings" panose="05000000000000000000" pitchFamily="2" charset="2"/>
+              <a:buChar char="§"/>
+            </a:pPr>
+            <a:r>
+              <a:rPr lang="pt-BR" dirty="0" smtClean="0"/>
+              <a:t>Consumidor realiza pedidos</a:t>
+            </a:r>
+          </a:p>
+          <a:p>
+            <a:pPr>
+              <a:buFont typeface="Wingdings" panose="05000000000000000000" pitchFamily="2" charset="2"/>
+              <a:buChar char="§"/>
+            </a:pPr>
+            <a:r>
+              <a:rPr lang="pt-BR" dirty="0" smtClean="0"/>
+              <a:t>Acionar garçom</a:t>
+            </a:r>
+          </a:p>
+          <a:p>
+            <a:pPr>
+              <a:buFont typeface="Wingdings" panose="05000000000000000000" pitchFamily="2" charset="2"/>
+              <a:buChar char="§"/>
+            </a:pPr>
+            <a:r>
+              <a:rPr lang="pt-BR" dirty="0" smtClean="0"/>
+              <a:t>Avaliar atendimento</a:t>
+            </a:r>
+          </a:p>
+          <a:p>
+            <a:pPr>
+              <a:buFont typeface="Wingdings" panose="05000000000000000000" pitchFamily="2" charset="2"/>
+              <a:buChar char="§"/>
+            </a:pPr>
+            <a:r>
+              <a:rPr lang="pt-BR" dirty="0" smtClean="0"/>
+              <a:t>              Integrado ao sistema de gestão </a:t>
+            </a:r>
+            <a:r>
+              <a:rPr lang="pt-BR" dirty="0" err="1" smtClean="0"/>
+              <a:t>Consumer</a:t>
+            </a:r>
+            <a:r>
+              <a:rPr lang="pt-BR" dirty="0" smtClean="0"/>
+              <a:t> (3º Plano: 12 x R$68,00)</a:t>
+            </a:r>
+          </a:p>
+          <a:p>
+            <a:pPr>
+              <a:buFont typeface="Wingdings" panose="05000000000000000000" pitchFamily="2" charset="2"/>
+              <a:buChar char="§"/>
+            </a:pPr>
+            <a:endParaRPr lang="pt-BR" dirty="0"/>
           </a:p>
         </p:txBody>
       </p:sp>
@@ -7570,7 +9735,7 @@
     </p:spTree>
     <p:extLst>
       <p:ext uri="{BB962C8B-B14F-4D97-AF65-F5344CB8AC3E}">
-        <p14:creationId xmlns:p14="http://schemas.microsoft.com/office/powerpoint/2010/main" val="357897979"/>
+        <p14:creationId xmlns:p14="http://schemas.microsoft.com/office/powerpoint/2010/main" val="921049720"/>
       </p:ext>
     </p:extLst>
   </p:cSld>
@@ -7673,7 +9838,7 @@
           <a:p>
             <a:r>
               <a:rPr lang="pt-BR" b="1" dirty="0" smtClean="0"/>
-              <a:t>CARDÁPIO DIGITAL CONSUMER</a:t>
+              <a:t>ECOMANDA</a:t>
             </a:r>
           </a:p>
           <a:p>
@@ -7683,7 +9848,7 @@
             </a:pPr>
             <a:r>
               <a:rPr lang="pt-BR" dirty="0" smtClean="0"/>
-              <a:t>Plataforma única</a:t>
+              <a:t>Gestão para restaurantes</a:t>
             </a:r>
           </a:p>
           <a:p>
@@ -7693,13 +9858,8 @@
             </a:pPr>
             <a:r>
               <a:rPr lang="pt-BR" dirty="0" smtClean="0"/>
-              <a:t>Acesso QR-</a:t>
-            </a:r>
-            <a:r>
-              <a:rPr lang="pt-BR" dirty="0" err="1" smtClean="0"/>
-              <a:t>Code</a:t>
-            </a:r>
-            <a:endParaRPr lang="pt-BR" dirty="0" smtClean="0"/>
+              <a:t>Comanda eletrônica para funcionários</a:t>
+            </a:r>
           </a:p>
           <a:p>
             <a:pPr>
@@ -7708,7 +9868,7 @@
             </a:pPr>
             <a:r>
               <a:rPr lang="pt-BR" dirty="0" smtClean="0"/>
-              <a:t>Consumidor realiza pedidos</a:t>
+              <a:t>Cardápio digital no bolso do cliente</a:t>
             </a:r>
           </a:p>
           <a:p>
@@ -7718,7 +9878,7 @@
             </a:pPr>
             <a:r>
               <a:rPr lang="pt-BR" dirty="0" smtClean="0"/>
-              <a:t>Acionar garçom</a:t>
+              <a:t>Envio de promoções de aniversário</a:t>
             </a:r>
           </a:p>
           <a:p>
@@ -7728,32 +9888,8 @@
             </a:pPr>
             <a:r>
               <a:rPr lang="pt-BR" dirty="0" smtClean="0"/>
-              <a:t>Avaliar atendimento</a:t>
-            </a:r>
-          </a:p>
-          <a:p>
-            <a:pPr>
-              <a:buFont typeface="Wingdings" panose="05000000000000000000" pitchFamily="2" charset="2"/>
-              <a:buChar char="§"/>
-            </a:pPr>
-            <a:r>
-              <a:rPr lang="pt-BR" dirty="0" smtClean="0"/>
-              <a:t>              Integrado ao sistema de gestão </a:t>
-            </a:r>
-            <a:r>
-              <a:rPr lang="pt-BR" dirty="0" err="1" smtClean="0"/>
-              <a:t>Consumer</a:t>
-            </a:r>
-            <a:r>
-              <a:rPr lang="pt-BR" dirty="0" smtClean="0"/>
-              <a:t> (3º Plano: 12 x R$68,00)</a:t>
-            </a:r>
-          </a:p>
-          <a:p>
-            <a:pPr>
-              <a:buFont typeface="Wingdings" panose="05000000000000000000" pitchFamily="2" charset="2"/>
-              <a:buChar char="§"/>
-            </a:pPr>
+              <a:t>Convite para dias de baixo movimento</a:t>
+            </a:r>
             <a:endParaRPr lang="pt-BR" dirty="0"/>
           </a:p>
         </p:txBody>
@@ -7844,7 +9980,7 @@
     </p:spTree>
     <p:extLst>
       <p:ext uri="{BB962C8B-B14F-4D97-AF65-F5344CB8AC3E}">
-        <p14:creationId xmlns:p14="http://schemas.microsoft.com/office/powerpoint/2010/main" val="921049720"/>
+        <p14:creationId xmlns:p14="http://schemas.microsoft.com/office/powerpoint/2010/main" val="1347236296"/>
       </p:ext>
     </p:extLst>
   </p:cSld>
@@ -7947,7 +10083,7 @@
           <a:p>
             <a:r>
               <a:rPr lang="pt-BR" b="1" dirty="0" smtClean="0"/>
-              <a:t>ECOMANDA</a:t>
+              <a:t>MENU DIGITAL</a:t>
             </a:r>
           </a:p>
           <a:p>
@@ -7957,7 +10093,7 @@
             </a:pPr>
             <a:r>
               <a:rPr lang="pt-BR" dirty="0" smtClean="0"/>
-              <a:t>Gestão para restaurantes</a:t>
+              <a:t>Eleito melhor cardápio digital do Brasil</a:t>
             </a:r>
           </a:p>
           <a:p>
@@ -7967,7 +10103,7 @@
             </a:pPr>
             <a:r>
               <a:rPr lang="pt-BR" dirty="0" smtClean="0"/>
-              <a:t>Comanda eletrônica para funcionários</a:t>
+              <a:t>Sem instalação</a:t>
             </a:r>
           </a:p>
           <a:p>
@@ -7977,7 +10113,15 @@
             </a:pPr>
             <a:r>
               <a:rPr lang="pt-BR" dirty="0" smtClean="0"/>
-              <a:t>Cardápio digital no bolso do cliente</a:t>
+              <a:t>Acesso QR-</a:t>
+            </a:r>
+            <a:r>
+              <a:rPr lang="pt-BR" dirty="0" err="1" smtClean="0"/>
+              <a:t>Code</a:t>
+            </a:r>
+            <a:r>
+              <a:rPr lang="pt-BR" dirty="0" smtClean="0"/>
+              <a:t> e site</a:t>
             </a:r>
           </a:p>
           <a:p>
@@ -7987,7 +10131,7 @@
             </a:pPr>
             <a:r>
               <a:rPr lang="pt-BR" dirty="0" smtClean="0"/>
-              <a:t>Envio de promoções de aniversário</a:t>
+              <a:t>Harmonização entre produtos</a:t>
             </a:r>
           </a:p>
           <a:p>
@@ -7997,7 +10141,7 @@
             </a:pPr>
             <a:r>
               <a:rPr lang="pt-BR" dirty="0" smtClean="0"/>
-              <a:t>Convite para dias de baixo movimento</a:t>
+              <a:t>Tudo online</a:t>
             </a:r>
             <a:endParaRPr lang="pt-BR" dirty="0"/>
           </a:p>
@@ -8089,7 +10233,7 @@
     </p:spTree>
     <p:extLst>
       <p:ext uri="{BB962C8B-B14F-4D97-AF65-F5344CB8AC3E}">
-        <p14:creationId xmlns:p14="http://schemas.microsoft.com/office/powerpoint/2010/main" val="1347236296"/>
+        <p14:creationId xmlns:p14="http://schemas.microsoft.com/office/powerpoint/2010/main" val="1598228879"/>
       </p:ext>
     </p:extLst>
   </p:cSld>

--- a/Documentos/Apresentação/Defesa Trabalho de Conclusão de Curso.pptx
+++ b/Documentos/Apresentação/Defesa Trabalho de Conclusão de Curso.pptx
@@ -12,8 +12,8 @@
     <p:sldId id="257" r:id="rId3"/>
     <p:sldId id="260" r:id="rId4"/>
     <p:sldId id="266" r:id="rId5"/>
-    <p:sldId id="265" r:id="rId6"/>
-    <p:sldId id="264" r:id="rId7"/>
+    <p:sldId id="264" r:id="rId6"/>
+    <p:sldId id="265" r:id="rId7"/>
     <p:sldId id="263" r:id="rId8"/>
     <p:sldId id="262" r:id="rId9"/>
     <p:sldId id="261" r:id="rId10"/>
@@ -219,7 +219,7 @@
           <a:p>
             <a:fld id="{ABDA8B90-0D5E-4FAD-8C3B-97DE831FC232}" type="datetimeFigureOut">
               <a:rPr lang="pt-BR" smtClean="0"/>
-              <a:t>19/12/2017</a:t>
+              <a:t>20/12/2017</a:t>
             </a:fld>
             <a:endParaRPr lang="pt-BR"/>
           </a:p>
@@ -797,7 +797,7 @@
           <a:p>
             <a:fld id="{B8E5F321-5715-479C-8AED-FBB000F509F4}" type="datetime1">
               <a:rPr lang="pt-BR" smtClean="0"/>
-              <a:t>19/12/2017</a:t>
+              <a:t>20/12/2017</a:t>
             </a:fld>
             <a:endParaRPr lang="pt-BR"/>
           </a:p>
@@ -1005,7 +1005,7 @@
           <a:p>
             <a:fld id="{0FB63535-2266-4625-8ECE-51274414C03E}" type="datetime1">
               <a:rPr lang="pt-BR" smtClean="0"/>
-              <a:t>19/12/2017</a:t>
+              <a:t>20/12/2017</a:t>
             </a:fld>
             <a:endParaRPr lang="pt-BR"/>
           </a:p>
@@ -1261,7 +1261,7 @@
           <a:p>
             <a:fld id="{EF9CE868-C0A5-462E-BF82-130B507FD32D}" type="datetime1">
               <a:rPr lang="pt-BR" smtClean="0"/>
-              <a:t>19/12/2017</a:t>
+              <a:t>20/12/2017</a:t>
             </a:fld>
             <a:endParaRPr lang="pt-BR"/>
           </a:p>
@@ -1435,7 +1435,7 @@
           <a:p>
             <a:fld id="{57156FCA-9285-4980-931B-789789664747}" type="datetime1">
               <a:rPr lang="pt-BR" smtClean="0"/>
-              <a:t>19/12/2017</a:t>
+              <a:t>20/12/2017</a:t>
             </a:fld>
             <a:endParaRPr lang="pt-BR"/>
           </a:p>
@@ -1778,7 +1778,7 @@
           <a:p>
             <a:fld id="{9B626A07-EDC3-4585-B467-CB9A4792C0D3}" type="datetime1">
               <a:rPr lang="pt-BR" smtClean="0"/>
-              <a:t>19/12/2017</a:t>
+              <a:t>20/12/2017</a:t>
             </a:fld>
             <a:endParaRPr lang="pt-BR"/>
           </a:p>
@@ -2053,7 +2053,7 @@
           <a:p>
             <a:fld id="{EA108A23-1C2E-4638-9B62-702084521B8D}" type="datetime1">
               <a:rPr lang="pt-BR" smtClean="0"/>
-              <a:t>19/12/2017</a:t>
+              <a:t>20/12/2017</a:t>
             </a:fld>
             <a:endParaRPr lang="pt-BR"/>
           </a:p>
@@ -2432,7 +2432,7 @@
           <a:p>
             <a:fld id="{C8AF28F5-6EE3-4BD8-81DC-E04E39056966}" type="datetime1">
               <a:rPr lang="pt-BR" smtClean="0"/>
-              <a:t>19/12/2017</a:t>
+              <a:t>20/12/2017</a:t>
             </a:fld>
             <a:endParaRPr lang="pt-BR"/>
           </a:p>
@@ -2550,7 +2550,7 @@
           <a:p>
             <a:fld id="{C3294D4D-A8C8-4AF7-95C7-9F49D3EA0DD6}" type="datetime1">
               <a:rPr lang="pt-BR" smtClean="0"/>
-              <a:t>19/12/2017</a:t>
+              <a:t>20/12/2017</a:t>
             </a:fld>
             <a:endParaRPr lang="pt-BR"/>
           </a:p>
@@ -2721,7 +2721,7 @@
           <a:p>
             <a:fld id="{46CCCFDB-2E5C-486D-B396-AC410F8E4EAC}" type="datetime1">
               <a:rPr lang="pt-BR" smtClean="0"/>
-              <a:t>19/12/2017</a:t>
+              <a:t>20/12/2017</a:t>
             </a:fld>
             <a:endParaRPr lang="pt-BR"/>
           </a:p>
@@ -3075,7 +3075,7 @@
           <a:p>
             <a:fld id="{31AD9EE3-9852-482A-A2DD-1FBB23372CE1}" type="datetime1">
               <a:rPr lang="pt-BR" smtClean="0"/>
-              <a:t>19/12/2017</a:t>
+              <a:t>20/12/2017</a:t>
             </a:fld>
             <a:endParaRPr lang="pt-BR"/>
           </a:p>
@@ -3457,7 +3457,7 @@
           <a:p>
             <a:fld id="{903A5643-6E52-4F15-9BB5-FEB254C800ED}" type="datetime1">
               <a:rPr lang="pt-BR" smtClean="0"/>
-              <a:t>19/12/2017</a:t>
+              <a:t>20/12/2017</a:t>
             </a:fld>
             <a:endParaRPr lang="pt-BR"/>
           </a:p>
@@ -3744,7 +3744,7 @@
           <a:p>
             <a:fld id="{32288E17-15A8-4FB0-8020-A6E860EB10E2}" type="datetime1">
               <a:rPr lang="pt-BR" smtClean="0"/>
-              <a:t>19/12/2017</a:t>
+              <a:t>20/12/2017</a:t>
             </a:fld>
             <a:endParaRPr lang="pt-BR"/>
           </a:p>
@@ -7565,19 +7565,7 @@
             </a:br>
             <a:r>
               <a:rPr lang="pt-BR" dirty="0" smtClean="0"/>
-              <a:t>Sistema de autoatendimento para </a:t>
-            </a:r>
-            <a:r>
-              <a:rPr lang="pt-BR" dirty="0" smtClean="0"/>
-              <a:t>clientes </a:t>
-            </a:r>
-            <a:r>
-              <a:rPr lang="pt-BR" dirty="0" smtClean="0"/>
-              <a:t>de </a:t>
-            </a:r>
-            <a:r>
-              <a:rPr lang="pt-BR" dirty="0" smtClean="0"/>
-              <a:t>restaurantes e similares</a:t>
+              <a:t>Sistema de autoatendimento para clientes de restaurantes e similares</a:t>
             </a:r>
             <a:endParaRPr lang="pt-BR" sz="3600" dirty="0"/>
           </a:p>
@@ -7818,21 +7806,11 @@
             </a:pPr>
             <a:r>
               <a:rPr lang="pt-BR" dirty="0" smtClean="0"/>
-              <a:t>Acionar </a:t>
+              <a:t>Avaliar </a:t>
             </a:r>
             <a:r>
               <a:rPr lang="pt-BR" dirty="0" smtClean="0"/>
-              <a:t>garçom</a:t>
-            </a:r>
-          </a:p>
-          <a:p>
-            <a:pPr>
-              <a:buFont typeface="Wingdings" panose="05000000000000000000" pitchFamily="2" charset="2"/>
-              <a:buChar char="§"/>
-            </a:pPr>
-            <a:r>
-              <a:rPr lang="pt-BR" dirty="0" smtClean="0"/>
-              <a:t>Avaliar atendimento</a:t>
+              <a:t>atendimento</a:t>
             </a:r>
           </a:p>
           <a:p>
@@ -9062,18 +9040,10 @@
             <a:r>
               <a:rPr lang="pt-BR" dirty="0" smtClean="0">
                 <a:solidFill>
-                  <a:schemeClr val="accent1"/>
-                </a:solidFill>
-              </a:rPr>
-              <a:t>/</a:t>
-            </a:r>
-            <a:r>
-              <a:rPr lang="pt-BR" dirty="0" smtClean="0">
-                <a:solidFill>
                   <a:schemeClr val="tx2"/>
                 </a:solidFill>
               </a:rPr>
-              <a:t>Mercado</a:t>
+              <a:t>/Mercado</a:t>
             </a:r>
             <a:endParaRPr lang="pt-BR" dirty="0">
               <a:solidFill>
@@ -9095,84 +9065,33 @@
         </p:nvSpPr>
         <p:spPr/>
         <p:txBody>
-          <a:bodyPr/>
+          <a:bodyPr>
+            <a:normAutofit/>
+          </a:bodyPr>
           <a:lstStyle/>
           <a:p>
             <a:pPr algn="ctr"/>
-            <a:r>
-              <a:rPr lang="pt-BR" dirty="0" smtClean="0"/>
-              <a:t>DADOS ABRASEL</a:t>
-            </a:r>
-          </a:p>
-          <a:p>
-            <a:pPr>
-              <a:buFont typeface="Wingdings" panose="05000000000000000000" pitchFamily="2" charset="2"/>
-              <a:buChar char="§"/>
-            </a:pPr>
-            <a:r>
-              <a:rPr lang="pt-BR" dirty="0" smtClean="0"/>
-              <a:t>Associação Brasileira de Bares e Restaurantes</a:t>
-            </a:r>
-          </a:p>
-          <a:p>
-            <a:pPr>
-              <a:buFont typeface="Wingdings" panose="05000000000000000000" pitchFamily="2" charset="2"/>
-              <a:buChar char="§"/>
-            </a:pPr>
-            <a:r>
-              <a:rPr lang="pt-BR" dirty="0" smtClean="0"/>
-              <a:t>Redução de 30% do movimento em 2016</a:t>
-            </a:r>
-          </a:p>
-          <a:p>
-            <a:pPr>
-              <a:buFont typeface="Wingdings" panose="05000000000000000000" pitchFamily="2" charset="2"/>
-              <a:buChar char="§"/>
-            </a:pPr>
-            <a:r>
-              <a:rPr lang="pt-BR" dirty="0" smtClean="0"/>
-              <a:t>Redução do Ticket médio</a:t>
-            </a:r>
-          </a:p>
-          <a:p>
-            <a:pPr>
-              <a:buFont typeface="Wingdings" panose="05000000000000000000" pitchFamily="2" charset="2"/>
-              <a:buChar char="§"/>
-            </a:pPr>
-            <a:r>
-              <a:rPr lang="pt-BR" dirty="0" smtClean="0"/>
-              <a:t>1/3 dos estabelecimentos afirmam operar no prejuízo</a:t>
-            </a:r>
-          </a:p>
-          <a:p>
-            <a:pPr marL="0" indent="0">
-              <a:buNone/>
-            </a:pPr>
-            <a:r>
-              <a:rPr lang="pt-BR" dirty="0" smtClean="0"/>
-              <a:t>FATORES DETERMINANTES:</a:t>
-            </a:r>
-          </a:p>
-          <a:p>
-            <a:pPr lvl="1">
-              <a:buFont typeface="Wingdings" panose="05000000000000000000" pitchFamily="2" charset="2"/>
-              <a:buChar char="§"/>
-            </a:pPr>
-            <a:r>
-              <a:rPr lang="pt-BR" dirty="0" smtClean="0"/>
-              <a:t>Falta de Recursos Humanos</a:t>
-            </a:r>
-          </a:p>
-          <a:p>
-            <a:pPr lvl="1">
-              <a:buFont typeface="Wingdings" panose="05000000000000000000" pitchFamily="2" charset="2"/>
-              <a:buChar char="§"/>
-            </a:pPr>
-            <a:r>
-              <a:rPr lang="pt-BR" dirty="0" smtClean="0"/>
-              <a:t>Ausência de tecnologia</a:t>
-            </a:r>
-            <a:endParaRPr lang="pt-BR" dirty="0"/>
+            <a:endParaRPr lang="pt-BR" sz="3200" dirty="0" smtClean="0"/>
+          </a:p>
+          <a:p>
+            <a:pPr algn="ctr"/>
+            <a:r>
+              <a:rPr lang="pt-BR" sz="3200" dirty="0" smtClean="0"/>
+              <a:t>DIRETORA DO SEBRAE DESTACA QUE AINDA É TÍMIDA A PRESENÇA NO COMÉRCIO </a:t>
+            </a:r>
+            <a:r>
+              <a:rPr lang="pt-BR" sz="3200" dirty="0" smtClean="0"/>
+              <a:t> </a:t>
+            </a:r>
+            <a:r>
+              <a:rPr lang="pt-BR" sz="3200" dirty="0" smtClean="0"/>
+              <a:t>– </a:t>
+            </a:r>
+            <a:r>
+              <a:rPr lang="pt-BR" sz="3200" b="1" dirty="0" smtClean="0"/>
+              <a:t>APENAS 12% TEM LOJA VIRTUAL.</a:t>
+            </a:r>
+            <a:endParaRPr lang="pt-BR" sz="3200" b="1" dirty="0"/>
           </a:p>
         </p:txBody>
       </p:sp>
@@ -9262,7 +9181,7 @@
     </p:spTree>
     <p:extLst>
       <p:ext uri="{BB962C8B-B14F-4D97-AF65-F5344CB8AC3E}">
-        <p14:creationId xmlns:p14="http://schemas.microsoft.com/office/powerpoint/2010/main" val="1902535875"/>
+        <p14:creationId xmlns:p14="http://schemas.microsoft.com/office/powerpoint/2010/main" val="357897979"/>
       </p:ext>
     </p:extLst>
   </p:cSld>
@@ -9328,10 +9247,18 @@
             <a:r>
               <a:rPr lang="pt-BR" dirty="0" smtClean="0">
                 <a:solidFill>
+                  <a:schemeClr val="accent1"/>
+                </a:solidFill>
+              </a:rPr>
+              <a:t>/</a:t>
+            </a:r>
+            <a:r>
+              <a:rPr lang="pt-BR" dirty="0" smtClean="0">
+                <a:solidFill>
                   <a:schemeClr val="tx2"/>
                 </a:solidFill>
               </a:rPr>
-              <a:t>/Mercado</a:t>
+              <a:t>Mercado</a:t>
             </a:r>
             <a:endParaRPr lang="pt-BR" dirty="0">
               <a:solidFill>
@@ -9353,25 +9280,84 @@
         </p:nvSpPr>
         <p:spPr/>
         <p:txBody>
-          <a:bodyPr>
-            <a:normAutofit/>
-          </a:bodyPr>
+          <a:bodyPr/>
           <a:lstStyle/>
           <a:p>
             <a:pPr algn="ctr"/>
-            <a:endParaRPr lang="pt-BR" sz="3200" dirty="0" smtClean="0"/>
-          </a:p>
-          <a:p>
-            <a:pPr algn="ctr"/>
-            <a:r>
-              <a:rPr lang="pt-BR" sz="3200" dirty="0" smtClean="0"/>
-              <a:t>DIRETORA DO SEBRAE DESTACA QUE AINDA É TÍMIDA A PRESENÇA NO COMÉRCIO ELETRÔNICO – </a:t>
-            </a:r>
-            <a:r>
-              <a:rPr lang="pt-BR" sz="3200" b="1" dirty="0" smtClean="0"/>
-              <a:t>APENAS 12% TEM LOJA VIRTUAL.</a:t>
-            </a:r>
-            <a:endParaRPr lang="pt-BR" sz="3200" b="1" dirty="0"/>
+            <a:r>
+              <a:rPr lang="pt-BR" dirty="0" smtClean="0"/>
+              <a:t>DADOS ABRASEL</a:t>
+            </a:r>
+          </a:p>
+          <a:p>
+            <a:pPr>
+              <a:buFont typeface="Wingdings" panose="05000000000000000000" pitchFamily="2" charset="2"/>
+              <a:buChar char="§"/>
+            </a:pPr>
+            <a:r>
+              <a:rPr lang="pt-BR" dirty="0" smtClean="0"/>
+              <a:t>Associação Brasileira de Bares e Restaurantes</a:t>
+            </a:r>
+          </a:p>
+          <a:p>
+            <a:pPr>
+              <a:buFont typeface="Wingdings" panose="05000000000000000000" pitchFamily="2" charset="2"/>
+              <a:buChar char="§"/>
+            </a:pPr>
+            <a:r>
+              <a:rPr lang="pt-BR" dirty="0" smtClean="0"/>
+              <a:t>Redução de 30% do movimento em 2016</a:t>
+            </a:r>
+          </a:p>
+          <a:p>
+            <a:pPr>
+              <a:buFont typeface="Wingdings" panose="05000000000000000000" pitchFamily="2" charset="2"/>
+              <a:buChar char="§"/>
+            </a:pPr>
+            <a:r>
+              <a:rPr lang="pt-BR" dirty="0" smtClean="0"/>
+              <a:t>Redução do Ticket médio</a:t>
+            </a:r>
+          </a:p>
+          <a:p>
+            <a:pPr>
+              <a:buFont typeface="Wingdings" panose="05000000000000000000" pitchFamily="2" charset="2"/>
+              <a:buChar char="§"/>
+            </a:pPr>
+            <a:r>
+              <a:rPr lang="pt-BR" dirty="0" smtClean="0"/>
+              <a:t>1/3 dos estabelecimentos afirmam operar no prejuízo</a:t>
+            </a:r>
+          </a:p>
+          <a:p>
+            <a:pPr marL="0" indent="0">
+              <a:buNone/>
+            </a:pPr>
+            <a:r>
+              <a:rPr lang="pt-BR" dirty="0" smtClean="0"/>
+              <a:t>FATORES DETERMINANTES:</a:t>
+            </a:r>
+          </a:p>
+          <a:p>
+            <a:pPr lvl="1">
+              <a:buFont typeface="Wingdings" panose="05000000000000000000" pitchFamily="2" charset="2"/>
+              <a:buChar char="§"/>
+            </a:pPr>
+            <a:r>
+              <a:rPr lang="pt-BR" dirty="0" smtClean="0"/>
+              <a:t>Falta de Recursos Humanos</a:t>
+            </a:r>
+          </a:p>
+          <a:p>
+            <a:pPr lvl="1">
+              <a:buFont typeface="Wingdings" panose="05000000000000000000" pitchFamily="2" charset="2"/>
+              <a:buChar char="§"/>
+            </a:pPr>
+            <a:r>
+              <a:rPr lang="pt-BR" dirty="0" smtClean="0"/>
+              <a:t>Ausência de tecnologia</a:t>
+            </a:r>
+            <a:endParaRPr lang="pt-BR" dirty="0"/>
           </a:p>
         </p:txBody>
       </p:sp>
@@ -9461,7 +9447,7 @@
     </p:spTree>
     <p:extLst>
       <p:ext uri="{BB962C8B-B14F-4D97-AF65-F5344CB8AC3E}">
-        <p14:creationId xmlns:p14="http://schemas.microsoft.com/office/powerpoint/2010/main" val="357897979"/>
+        <p14:creationId xmlns:p14="http://schemas.microsoft.com/office/powerpoint/2010/main" val="1902535875"/>
       </p:ext>
     </p:extLst>
   </p:cSld>
@@ -9599,8 +9585,13 @@
             </a:pPr>
             <a:r>
               <a:rPr lang="pt-BR" dirty="0" smtClean="0"/>
-              <a:t>Consumidor realiza pedidos</a:t>
-            </a:r>
+              <a:t>Consumidor realiza </a:t>
+            </a:r>
+            <a:r>
+              <a:rPr lang="pt-BR" dirty="0" smtClean="0"/>
+              <a:t>pedido</a:t>
+            </a:r>
+            <a:endParaRPr lang="pt-BR" dirty="0" smtClean="0"/>
           </a:p>
           <a:p>
             <a:pPr>
@@ -9609,7 +9600,7 @@
             </a:pPr>
             <a:r>
               <a:rPr lang="pt-BR" dirty="0" smtClean="0"/>
-              <a:t>Acionar garçom</a:t>
+              <a:t>Avaliar atendimento</a:t>
             </a:r>
           </a:p>
           <a:p>
@@ -9618,9 +9609,14 @@
               <a:buChar char="§"/>
             </a:pPr>
             <a:r>
+              <a:rPr lang="pt-BR" dirty="0"/>
+              <a:t>Acionar </a:t>
+            </a:r>
+            <a:r>
               <a:rPr lang="pt-BR" dirty="0" smtClean="0"/>
-              <a:t>Avaliar atendimento</a:t>
-            </a:r>
+              <a:t>garçom</a:t>
+            </a:r>
+            <a:endParaRPr lang="pt-BR" dirty="0" smtClean="0"/>
           </a:p>
           <a:p>
             <a:pPr>
@@ -9858,7 +9854,11 @@
             </a:pPr>
             <a:r>
               <a:rPr lang="pt-BR" dirty="0" smtClean="0"/>
-              <a:t>Comanda eletrônica para funcionários</a:t>
+              <a:t>Cardápio </a:t>
+            </a:r>
+            <a:r>
+              <a:rPr lang="pt-BR" dirty="0" smtClean="0"/>
+              <a:t>digital no bolso do cliente</a:t>
             </a:r>
           </a:p>
           <a:p>
@@ -9868,7 +9868,7 @@
             </a:pPr>
             <a:r>
               <a:rPr lang="pt-BR" dirty="0" smtClean="0"/>
-              <a:t>Cardápio digital no bolso do cliente</a:t>
+              <a:t>Envio de promoções de aniversário</a:t>
             </a:r>
           </a:p>
           <a:p>
@@ -9878,7 +9878,11 @@
             </a:pPr>
             <a:r>
               <a:rPr lang="pt-BR" dirty="0" smtClean="0"/>
-              <a:t>Envio de promoções de aniversário</a:t>
+              <a:t>Convite para dias de baixo </a:t>
+            </a:r>
+            <a:r>
+              <a:rPr lang="pt-BR" dirty="0" smtClean="0"/>
+              <a:t>movimento</a:t>
             </a:r>
           </a:p>
           <a:p>
@@ -9887,9 +9891,15 @@
               <a:buChar char="§"/>
             </a:pPr>
             <a:r>
-              <a:rPr lang="pt-BR" dirty="0" smtClean="0"/>
-              <a:t>Convite para dias de baixo movimento</a:t>
-            </a:r>
+              <a:rPr lang="pt-BR" dirty="0"/>
+              <a:t>Comanda eletrônica para funcionários</a:t>
+            </a:r>
+          </a:p>
+          <a:p>
+            <a:pPr>
+              <a:buFont typeface="Wingdings" panose="05000000000000000000" pitchFamily="2" charset="2"/>
+              <a:buChar char="§"/>
+            </a:pPr>
             <a:endParaRPr lang="pt-BR" dirty="0"/>
           </a:p>
         </p:txBody>
